--- a/CourseProject/projectpresentaion.pptx
+++ b/CourseProject/projectpresentaion.pptx
@@ -5,7 +5,7 @@
     <p:sldMasterId id="2147483660" r:id="rId1"/>
   </p:sldMasterIdLst>
   <p:notesMasterIdLst>
-    <p:notesMasterId r:id="rId14"/>
+    <p:notesMasterId r:id="rId15"/>
   </p:notesMasterIdLst>
   <p:sldIdLst>
     <p:sldId id="256" r:id="rId2"/>
@@ -20,6 +20,7 @@
     <p:sldId id="264" r:id="rId11"/>
     <p:sldId id="271" r:id="rId12"/>
     <p:sldId id="265" r:id="rId13"/>
+    <p:sldId id="272" r:id="rId14"/>
   </p:sldIdLst>
   <p:sldSz cx="12192000" cy="6858000"/>
   <p:notesSz cx="6858000" cy="9144000"/>
@@ -9431,6 +9432,113 @@
     <p:extLst>
       <p:ext uri="{BB962C8B-B14F-4D97-AF65-F5344CB8AC3E}">
         <p14:creationId xmlns:p14="http://schemas.microsoft.com/office/powerpoint/2010/main" val="582594364"/>
+      </p:ext>
+    </p:extLst>
+  </p:cSld>
+  <p:clrMapOvr>
+    <a:masterClrMapping/>
+  </p:clrMapOvr>
+</p:sld>
+</file>
+
+<file path=ppt/slides/slide13.xml><?xml version="1.0" encoding="utf-8"?>
+<p:sld xmlns:a="http://schemas.openxmlformats.org/drawingml/2006/main" xmlns:r="http://schemas.openxmlformats.org/officeDocument/2006/relationships" xmlns:p="http://schemas.openxmlformats.org/presentationml/2006/main">
+  <p:cSld>
+    <p:spTree>
+      <p:nvGrpSpPr>
+        <p:cNvPr id="1" name=""/>
+        <p:cNvGrpSpPr/>
+        <p:nvPr/>
+      </p:nvGrpSpPr>
+      <p:grpSpPr>
+        <a:xfrm>
+          <a:off x="0" y="0"/>
+          <a:ext cx="0" cy="0"/>
+          <a:chOff x="0" y="0"/>
+          <a:chExt cx="0" cy="0"/>
+        </a:xfrm>
+      </p:grpSpPr>
+      <p:sp>
+        <p:nvSpPr>
+          <p:cNvPr id="2" name="כותרת 1">
+            <a:extLst>
+              <a:ext uri="{FF2B5EF4-FFF2-40B4-BE49-F238E27FC236}">
+                <a16:creationId xmlns:a16="http://schemas.microsoft.com/office/drawing/2014/main" id="{055F4996-2131-EFF8-CED4-D7B80EB389A7}"/>
+              </a:ext>
+            </a:extLst>
+          </p:cNvPr>
+          <p:cNvSpPr>
+            <a:spLocks noGrp="1"/>
+          </p:cNvSpPr>
+          <p:nvPr>
+            <p:ph type="title"/>
+          </p:nvPr>
+        </p:nvSpPr>
+        <p:spPr/>
+        <p:txBody>
+          <a:bodyPr/>
+          <a:lstStyle/>
+          <a:p>
+            <a:r>
+              <a:rPr lang="he-IL" dirty="0"/>
+              <a:t>משימות:</a:t>
+            </a:r>
+            <a:br>
+              <a:rPr lang="en-US" dirty="0"/>
+            </a:br>
+            <a:endParaRPr lang="en-US" dirty="0"/>
+          </a:p>
+        </p:txBody>
+      </p:sp>
+      <p:sp>
+        <p:nvSpPr>
+          <p:cNvPr id="3" name="מציין מיקום תוכן 2">
+            <a:extLst>
+              <a:ext uri="{FF2B5EF4-FFF2-40B4-BE49-F238E27FC236}">
+                <a16:creationId xmlns:a16="http://schemas.microsoft.com/office/drawing/2014/main" id="{59B6A37B-E860-4EC4-5E40-04F41999895F}"/>
+              </a:ext>
+            </a:extLst>
+          </p:cNvPr>
+          <p:cNvSpPr>
+            <a:spLocks noGrp="1"/>
+          </p:cNvSpPr>
+          <p:nvPr>
+            <p:ph idx="1"/>
+          </p:nvPr>
+        </p:nvSpPr>
+        <p:spPr/>
+        <p:txBody>
+          <a:bodyPr/>
+          <a:lstStyle/>
+          <a:p>
+            <a:r>
+              <a:rPr lang="he-IL" dirty="0"/>
+              <a:t>לתת הערות לקוד</a:t>
+            </a:r>
+          </a:p>
+          <a:p>
+            <a:r>
+              <a:rPr lang="he-IL" dirty="0"/>
+              <a:t>לעשות את הדוח</a:t>
+            </a:r>
+          </a:p>
+          <a:p>
+            <a:r>
+              <a:rPr lang="he-IL" dirty="0"/>
+              <a:t>לסיים </a:t>
+            </a:r>
+            <a:r>
+              <a:rPr lang="he-IL"/>
+              <a:t>את המצגת</a:t>
+            </a:r>
+            <a:endParaRPr lang="en-US" dirty="0"/>
+          </a:p>
+        </p:txBody>
+      </p:sp>
+    </p:spTree>
+    <p:extLst>
+      <p:ext uri="{BB962C8B-B14F-4D97-AF65-F5344CB8AC3E}">
+        <p14:creationId xmlns:p14="http://schemas.microsoft.com/office/powerpoint/2010/main" val="76942097"/>
       </p:ext>
     </p:extLst>
   </p:cSld>

--- a/CourseProject/projectpresentaion.pptx
+++ b/CourseProject/projectpresentaion.pptx
@@ -5,7 +5,7 @@
     <p:sldMasterId id="2147483660" r:id="rId1"/>
   </p:sldMasterIdLst>
   <p:notesMasterIdLst>
-    <p:notesMasterId r:id="rId15"/>
+    <p:notesMasterId r:id="rId19"/>
   </p:notesMasterIdLst>
   <p:sldIdLst>
     <p:sldId id="256" r:id="rId2"/>
@@ -13,14 +13,18 @@
     <p:sldId id="257" r:id="rId4"/>
     <p:sldId id="258" r:id="rId5"/>
     <p:sldId id="267" r:id="rId6"/>
-    <p:sldId id="260" r:id="rId7"/>
-    <p:sldId id="268" r:id="rId8"/>
-    <p:sldId id="269" r:id="rId9"/>
-    <p:sldId id="270" r:id="rId10"/>
-    <p:sldId id="264" r:id="rId11"/>
-    <p:sldId id="271" r:id="rId12"/>
-    <p:sldId id="265" r:id="rId13"/>
-    <p:sldId id="272" r:id="rId14"/>
+    <p:sldId id="273" r:id="rId7"/>
+    <p:sldId id="274" r:id="rId8"/>
+    <p:sldId id="276" r:id="rId9"/>
+    <p:sldId id="260" r:id="rId10"/>
+    <p:sldId id="268" r:id="rId11"/>
+    <p:sldId id="269" r:id="rId12"/>
+    <p:sldId id="270" r:id="rId13"/>
+    <p:sldId id="275" r:id="rId14"/>
+    <p:sldId id="264" r:id="rId15"/>
+    <p:sldId id="271" r:id="rId16"/>
+    <p:sldId id="265" r:id="rId17"/>
+    <p:sldId id="272" r:id="rId18"/>
   </p:sldIdLst>
   <p:sldSz cx="12192000" cy="6858000"/>
   <p:notesSz cx="6858000" cy="9144000"/>
@@ -886,7 +890,7 @@
           <a:p>
             <a:fld id="{32BD6681-AF6C-463B-962E-1F8B7D0C40F2}" type="slidenum">
               <a:rPr lang="en-US" smtClean="0"/>
-              <a:t>6</a:t>
+              <a:t>9</a:t>
             </a:fld>
             <a:endParaRPr lang="en-US"/>
           </a:p>
@@ -973,7 +977,7 @@
           <a:p>
             <a:fld id="{32BD6681-AF6C-463B-962E-1F8B7D0C40F2}" type="slidenum">
               <a:rPr lang="en-US" smtClean="0"/>
-              <a:t>7</a:t>
+              <a:t>10</a:t>
             </a:fld>
             <a:endParaRPr lang="en-US"/>
           </a:p>
@@ -1089,7 +1093,7 @@
           <a:p>
             <a:fld id="{32BD6681-AF6C-463B-962E-1F8B7D0C40F2}" type="slidenum">
               <a:rPr lang="en-US" smtClean="0"/>
-              <a:t>8</a:t>
+              <a:t>11</a:t>
             </a:fld>
             <a:endParaRPr lang="en-US"/>
           </a:p>
@@ -1251,7 +1255,7 @@
           <a:p>
             <a:fld id="{32BD6681-AF6C-463B-962E-1F8B7D0C40F2}" type="slidenum">
               <a:rPr lang="en-US" smtClean="0"/>
-              <a:t>9</a:t>
+              <a:t>12</a:t>
             </a:fld>
             <a:endParaRPr lang="en-US"/>
           </a:p>
@@ -1261,6 +1265,90 @@
     <p:extLst>
       <p:ext uri="{BB962C8B-B14F-4D97-AF65-F5344CB8AC3E}">
         <p14:creationId xmlns:p14="http://schemas.microsoft.com/office/powerpoint/2010/main" val="1152999516"/>
+      </p:ext>
+    </p:extLst>
+  </p:cSld>
+  <p:clrMapOvr>
+    <a:masterClrMapping/>
+  </p:clrMapOvr>
+</p:notes>
+</file>
+
+<file path=ppt/notesSlides/notesSlide6.xml><?xml version="1.0" encoding="utf-8"?>
+<p:notes xmlns:a="http://schemas.openxmlformats.org/drawingml/2006/main" xmlns:r="http://schemas.openxmlformats.org/officeDocument/2006/relationships" xmlns:p="http://schemas.openxmlformats.org/presentationml/2006/main">
+  <p:cSld>
+    <p:spTree>
+      <p:nvGrpSpPr>
+        <p:cNvPr id="1" name=""/>
+        <p:cNvGrpSpPr/>
+        <p:nvPr/>
+      </p:nvGrpSpPr>
+      <p:grpSpPr>
+        <a:xfrm>
+          <a:off x="0" y="0"/>
+          <a:ext cx="0" cy="0"/>
+          <a:chOff x="0" y="0"/>
+          <a:chExt cx="0" cy="0"/>
+        </a:xfrm>
+      </p:grpSpPr>
+      <p:sp>
+        <p:nvSpPr>
+          <p:cNvPr id="2" name="Slide Image Placeholder 1"/>
+          <p:cNvSpPr>
+            <a:spLocks noGrp="1" noRot="1" noChangeAspect="1"/>
+          </p:cNvSpPr>
+          <p:nvPr>
+            <p:ph type="sldImg"/>
+          </p:nvPr>
+        </p:nvSpPr>
+        <p:spPr/>
+      </p:sp>
+      <p:sp>
+        <p:nvSpPr>
+          <p:cNvPr id="3" name="Notes Placeholder 2"/>
+          <p:cNvSpPr>
+            <a:spLocks noGrp="1"/>
+          </p:cNvSpPr>
+          <p:nvPr>
+            <p:ph type="body" idx="1"/>
+          </p:nvPr>
+        </p:nvSpPr>
+        <p:spPr/>
+        <p:txBody>
+          <a:bodyPr/>
+          <a:lstStyle/>
+          <a:p>
+            <a:endParaRPr lang="he-IL" dirty="0"/>
+          </a:p>
+        </p:txBody>
+      </p:sp>
+      <p:sp>
+        <p:nvSpPr>
+          <p:cNvPr id="4" name="Slide Number Placeholder 3"/>
+          <p:cNvSpPr>
+            <a:spLocks noGrp="1"/>
+          </p:cNvSpPr>
+          <p:nvPr>
+            <p:ph type="sldNum" sz="quarter" idx="5"/>
+          </p:nvPr>
+        </p:nvSpPr>
+        <p:spPr/>
+        <p:txBody>
+          <a:bodyPr/>
+          <a:lstStyle/>
+          <a:p>
+            <a:fld id="{32BD6681-AF6C-463B-962E-1F8B7D0C40F2}" type="slidenum">
+              <a:rPr lang="en-US" smtClean="0"/>
+              <a:t>16</a:t>
+            </a:fld>
+            <a:endParaRPr lang="en-US"/>
+          </a:p>
+        </p:txBody>
+      </p:sp>
+    </p:spTree>
+    <p:extLst>
+      <p:ext uri="{BB962C8B-B14F-4D97-AF65-F5344CB8AC3E}">
+        <p14:creationId xmlns:p14="http://schemas.microsoft.com/office/powerpoint/2010/main" val="1697130262"/>
       </p:ext>
     </p:extLst>
   </p:cSld>
@@ -9122,7 +9210,13 @@
   <p:cSld>
     <p:spTree>
       <p:nvGrpSpPr>
-        <p:cNvPr id="1" name=""/>
+        <p:cNvPr id="1" name="">
+          <a:extLst>
+            <a:ext uri="{FF2B5EF4-FFF2-40B4-BE49-F238E27FC236}">
+              <a16:creationId xmlns:a16="http://schemas.microsoft.com/office/drawing/2014/main" id="{E0753F4B-8606-5698-C0E5-2B8E7B99553F}"/>
+            </a:ext>
+          </a:extLst>
+        </p:cNvPr>
         <p:cNvGrpSpPr/>
         <p:nvPr/>
       </p:nvGrpSpPr>
@@ -9136,77 +9230,93 @@
       </p:grpSpPr>
       <p:sp>
         <p:nvSpPr>
-          <p:cNvPr id="2" name="כותרת 1">
+          <p:cNvPr id="3" name="תיבת טקסט 2">
             <a:extLst>
               <a:ext uri="{FF2B5EF4-FFF2-40B4-BE49-F238E27FC236}">
-                <a16:creationId xmlns:a16="http://schemas.microsoft.com/office/drawing/2014/main" id="{D09FEDAD-36E4-C5B0-0A90-295D44217EDC}"/>
+                <a16:creationId xmlns:a16="http://schemas.microsoft.com/office/drawing/2014/main" id="{26926003-03E4-4C2C-6AFF-AAE60CA0ED3B}"/>
               </a:ext>
             </a:extLst>
           </p:cNvPr>
-          <p:cNvSpPr>
-            <a:spLocks noGrp="1"/>
-          </p:cNvSpPr>
-          <p:nvPr>
-            <p:ph type="title"/>
-          </p:nvPr>
-        </p:nvSpPr>
-        <p:spPr/>
-        <p:txBody>
-          <a:bodyPr/>
+          <p:cNvSpPr txBox="1"/>
+          <p:nvPr/>
+        </p:nvSpPr>
+        <p:spPr>
+          <a:xfrm>
+            <a:off x="10966174" y="779430"/>
+            <a:ext cx="6096000" cy="923330"/>
+          </a:xfrm>
+          <a:prstGeom prst="rect">
+            <a:avLst/>
+          </a:prstGeom>
+          <a:noFill/>
+        </p:spPr>
+        <p:txBody>
+          <a:bodyPr wrap="square">
+            <a:spAutoFit/>
+          </a:bodyPr>
           <a:lstStyle/>
           <a:p>
-            <a:pPr algn="l" rtl="0"/>
             <a:r>
               <a:rPr lang="en-US" dirty="0"/>
-              <a:t>Conclusions:</a:t>
-            </a:r>
-          </a:p>
-        </p:txBody>
-      </p:sp>
-      <p:sp>
-        <p:nvSpPr>
-          <p:cNvPr id="3" name="מציין מיקום תוכן 2">
+              <a:t>OPM</a:t>
+            </a:r>
+            <a:br>
+              <a:rPr lang="en-US" dirty="0"/>
+            </a:br>
+            <a:r>
+              <a:rPr lang="en-US" dirty="0"/>
+              <a:t>&amp;</a:t>
+            </a:r>
+            <a:br>
+              <a:rPr lang="en-US" dirty="0"/>
+            </a:br>
+            <a:r>
+              <a:rPr lang="en-US" dirty="0"/>
+              <a:t>CTM </a:t>
+            </a:r>
+          </a:p>
+        </p:txBody>
+      </p:sp>
+      <p:pic>
+        <p:nvPicPr>
+          <p:cNvPr id="4" name="מציין מיקום תוכן 4" descr="תמונה שמכילה טקסט, צילום מסך, תרשים, עלילה&#10;&#10;תוכן בינה מלאכותית גנרטיבית עשוי להיות שגוי.">
             <a:extLst>
               <a:ext uri="{FF2B5EF4-FFF2-40B4-BE49-F238E27FC236}">
-                <a16:creationId xmlns:a16="http://schemas.microsoft.com/office/drawing/2014/main" id="{F12CEA79-4BA7-33F3-6DF1-52C1779C0E36}"/>
+                <a16:creationId xmlns:a16="http://schemas.microsoft.com/office/drawing/2014/main" id="{29761CBB-E626-2222-959B-0C5269908797}"/>
               </a:ext>
             </a:extLst>
           </p:cNvPr>
-          <p:cNvSpPr>
-            <a:spLocks noGrp="1"/>
-          </p:cNvSpPr>
-          <p:nvPr>
-            <p:ph idx="1"/>
-          </p:nvPr>
-        </p:nvSpPr>
-        <p:spPr/>
-        <p:txBody>
-          <a:bodyPr/>
-          <a:lstStyle/>
-          <a:p>
-            <a:pPr algn="l" rtl="0"/>
-            <a:r>
-              <a:rPr lang="en-US" dirty="0"/>
-              <a:t>We can see that the motifs suggests that there’s global warming between the years 1750 – 2025 primarily at the later years</a:t>
-            </a:r>
-            <a:br>
-              <a:rPr lang="en-US" dirty="0"/>
-            </a:br>
-            <a:r>
-              <a:rPr lang="en-US" dirty="0"/>
-              <a:t>lets look at the graphs</a:t>
-            </a:r>
-          </a:p>
-          <a:p>
-            <a:pPr algn="l" rtl="0"/>
-            <a:endParaRPr lang="en-US" dirty="0"/>
-          </a:p>
-        </p:txBody>
-      </p:sp>
+          <p:cNvPicPr>
+            <a:picLocks noChangeAspect="1"/>
+          </p:cNvPicPr>
+          <p:nvPr/>
+        </p:nvPicPr>
+        <p:blipFill>
+          <a:blip r:embed="rId3">
+            <a:extLst>
+              <a:ext uri="{28A0092B-C50C-407E-A947-70E740481C1C}">
+                <a14:useLocalDpi xmlns:a14="http://schemas.microsoft.com/office/drawing/2010/main" val="0"/>
+              </a:ext>
+            </a:extLst>
+          </a:blip>
+          <a:stretch>
+            <a:fillRect/>
+          </a:stretch>
+        </p:blipFill>
+        <p:spPr>
+          <a:xfrm>
+            <a:off x="1571504" y="607480"/>
+            <a:ext cx="8773499" cy="5853832"/>
+          </a:xfrm>
+          <a:prstGeom prst="rect">
+            <a:avLst/>
+          </a:prstGeom>
+        </p:spPr>
+      </p:pic>
     </p:spTree>
     <p:extLst>
       <p:ext uri="{BB962C8B-B14F-4D97-AF65-F5344CB8AC3E}">
-        <p14:creationId xmlns:p14="http://schemas.microsoft.com/office/powerpoint/2010/main" val="1059773293"/>
+        <p14:creationId xmlns:p14="http://schemas.microsoft.com/office/powerpoint/2010/main" val="4241590044"/>
       </p:ext>
     </p:extLst>
   </p:cSld>
@@ -9224,7 +9334,7 @@
         <p:cNvPr id="1" name="">
           <a:extLst>
             <a:ext uri="{FF2B5EF4-FFF2-40B4-BE49-F238E27FC236}">
-              <a16:creationId xmlns:a16="http://schemas.microsoft.com/office/drawing/2014/main" id="{43E8C764-6BC1-6326-74B5-BD8081873A89}"/>
+              <a16:creationId xmlns:a16="http://schemas.microsoft.com/office/drawing/2014/main" id="{941C2F7C-B8FB-31CA-7C78-540E24DA0F84}"/>
             </a:ext>
           </a:extLst>
         </p:cNvPr>
@@ -9241,76 +9351,93 @@
       </p:grpSpPr>
       <p:sp>
         <p:nvSpPr>
-          <p:cNvPr id="2" name="כותרת 1">
+          <p:cNvPr id="3" name="תיבת טקסט 2">
             <a:extLst>
               <a:ext uri="{FF2B5EF4-FFF2-40B4-BE49-F238E27FC236}">
-                <a16:creationId xmlns:a16="http://schemas.microsoft.com/office/drawing/2014/main" id="{918A9C2B-2305-BE23-D270-0115D577A13D}"/>
+                <a16:creationId xmlns:a16="http://schemas.microsoft.com/office/drawing/2014/main" id="{B437D411-EC8D-7969-BA51-7C9741DBD8AA}"/>
               </a:ext>
             </a:extLst>
           </p:cNvPr>
-          <p:cNvSpPr>
-            <a:spLocks noGrp="1"/>
-          </p:cNvSpPr>
-          <p:nvPr>
-            <p:ph type="title"/>
-          </p:nvPr>
-        </p:nvSpPr>
-        <p:spPr/>
-        <p:txBody>
-          <a:bodyPr/>
+          <p:cNvSpPr txBox="1"/>
+          <p:nvPr/>
+        </p:nvSpPr>
+        <p:spPr>
+          <a:xfrm>
+            <a:off x="10966174" y="779430"/>
+            <a:ext cx="6096000" cy="923330"/>
+          </a:xfrm>
+          <a:prstGeom prst="rect">
+            <a:avLst/>
+          </a:prstGeom>
+          <a:noFill/>
+        </p:spPr>
+        <p:txBody>
+          <a:bodyPr wrap="square">
+            <a:spAutoFit/>
+          </a:bodyPr>
           <a:lstStyle/>
           <a:p>
             <a:r>
               <a:rPr lang="en-US" dirty="0"/>
-              <a:t>Conclusions : Algorithmic Success!</a:t>
-            </a:r>
-          </a:p>
-        </p:txBody>
-      </p:sp>
-      <p:sp>
-        <p:nvSpPr>
-          <p:cNvPr id="3" name="מציין מיקום תוכן 2">
+              <a:t>OPM</a:t>
+            </a:r>
+            <a:br>
+              <a:rPr lang="en-US" dirty="0"/>
+            </a:br>
+            <a:r>
+              <a:rPr lang="en-US" dirty="0"/>
+              <a:t>&amp;</a:t>
+            </a:r>
+            <a:br>
+              <a:rPr lang="en-US" dirty="0"/>
+            </a:br>
+            <a:r>
+              <a:rPr lang="en-US" dirty="0"/>
+              <a:t>CTM </a:t>
+            </a:r>
+          </a:p>
+        </p:txBody>
+      </p:sp>
+      <p:pic>
+        <p:nvPicPr>
+          <p:cNvPr id="5" name="מציין מיקום תוכן 4" descr="תמונה שמכילה טקסט, תרשים, צילום מסך, עלילה&#10;&#10;תוכן בינה מלאכותית גנרטיבית עשוי להיות שגוי.">
             <a:extLst>
               <a:ext uri="{FF2B5EF4-FFF2-40B4-BE49-F238E27FC236}">
-                <a16:creationId xmlns:a16="http://schemas.microsoft.com/office/drawing/2014/main" id="{98A63F34-0480-BC3E-C548-D7AC1774F75B}"/>
+                <a16:creationId xmlns:a16="http://schemas.microsoft.com/office/drawing/2014/main" id="{287C18CF-5274-A1E3-2078-FB978CBBAD5E}"/>
               </a:ext>
             </a:extLst>
           </p:cNvPr>
-          <p:cNvSpPr>
-            <a:spLocks noGrp="1"/>
-          </p:cNvSpPr>
-          <p:nvPr>
-            <p:ph idx="1"/>
-          </p:nvPr>
-        </p:nvSpPr>
-        <p:spPr/>
-        <p:txBody>
-          <a:bodyPr/>
-          <a:lstStyle/>
-          <a:p>
-            <a:pPr algn="l" rtl="0"/>
-            <a:r>
-              <a:rPr lang="en-US" dirty="0"/>
-              <a:t>While standard exact matching would’ve returned 0 results.</a:t>
-            </a:r>
-          </a:p>
-          <a:p>
-            <a:pPr algn="l" rtl="0"/>
-            <a:r>
-              <a:rPr lang="en-US" dirty="0"/>
-              <a:t>OPM and CTM extracted thousands of recurring events by ignoring the noise and focusing on the structure</a:t>
-            </a:r>
-          </a:p>
-          <a:p>
-            <a:pPr algn="l" rtl="0"/>
-            <a:endParaRPr lang="en-US" dirty="0"/>
-          </a:p>
-        </p:txBody>
-      </p:sp>
+          <p:cNvPicPr>
+            <a:picLocks noChangeAspect="1"/>
+          </p:cNvPicPr>
+          <p:nvPr/>
+        </p:nvPicPr>
+        <p:blipFill>
+          <a:blip r:embed="rId3">
+            <a:extLst>
+              <a:ext uri="{28A0092B-C50C-407E-A947-70E740481C1C}">
+                <a14:useLocalDpi xmlns:a14="http://schemas.microsoft.com/office/drawing/2010/main" val="0"/>
+              </a:ext>
+            </a:extLst>
+          </a:blip>
+          <a:stretch>
+            <a:fillRect/>
+          </a:stretch>
+        </p:blipFill>
+        <p:spPr>
+          <a:xfrm>
+            <a:off x="1506817" y="606198"/>
+            <a:ext cx="8920824" cy="5645604"/>
+          </a:xfrm>
+          <a:prstGeom prst="rect">
+            <a:avLst/>
+          </a:prstGeom>
+        </p:spPr>
+      </p:pic>
     </p:spTree>
     <p:extLst>
       <p:ext uri="{BB962C8B-B14F-4D97-AF65-F5344CB8AC3E}">
-        <p14:creationId xmlns:p14="http://schemas.microsoft.com/office/powerpoint/2010/main" val="3833514996"/>
+        <p14:creationId xmlns:p14="http://schemas.microsoft.com/office/powerpoint/2010/main" val="1766459814"/>
       </p:ext>
     </p:extLst>
   </p:cSld>
@@ -9325,7 +9452,13 @@
   <p:cSld>
     <p:spTree>
       <p:nvGrpSpPr>
-        <p:cNvPr id="1" name=""/>
+        <p:cNvPr id="1" name="">
+          <a:extLst>
+            <a:ext uri="{FF2B5EF4-FFF2-40B4-BE49-F238E27FC236}">
+              <a16:creationId xmlns:a16="http://schemas.microsoft.com/office/drawing/2014/main" id="{C37A98DF-99DA-EF6E-39C2-73C823EBAC7E}"/>
+            </a:ext>
+          </a:extLst>
+        </p:cNvPr>
         <p:cNvGrpSpPr/>
         <p:nvPr/>
       </p:nvGrpSpPr>
@@ -9339,99 +9472,93 @@
       </p:grpSpPr>
       <p:sp>
         <p:nvSpPr>
-          <p:cNvPr id="2" name="כותרת 1">
+          <p:cNvPr id="3" name="תיבת טקסט 2">
             <a:extLst>
               <a:ext uri="{FF2B5EF4-FFF2-40B4-BE49-F238E27FC236}">
-                <a16:creationId xmlns:a16="http://schemas.microsoft.com/office/drawing/2014/main" id="{2615CE92-00AE-F206-447F-2F92BE579A42}"/>
+                <a16:creationId xmlns:a16="http://schemas.microsoft.com/office/drawing/2014/main" id="{F71F2BA3-350B-FD8C-2EE0-5EA3E67865EC}"/>
               </a:ext>
             </a:extLst>
           </p:cNvPr>
-          <p:cNvSpPr>
-            <a:spLocks noGrp="1"/>
-          </p:cNvSpPr>
-          <p:nvPr>
-            <p:ph type="title"/>
-          </p:nvPr>
-        </p:nvSpPr>
-        <p:spPr/>
-        <p:txBody>
-          <a:bodyPr/>
+          <p:cNvSpPr txBox="1"/>
+          <p:nvPr/>
+        </p:nvSpPr>
+        <p:spPr>
+          <a:xfrm>
+            <a:off x="10966174" y="779430"/>
+            <a:ext cx="6096000" cy="923330"/>
+          </a:xfrm>
+          <a:prstGeom prst="rect">
+            <a:avLst/>
+          </a:prstGeom>
+          <a:noFill/>
+        </p:spPr>
+        <p:txBody>
+          <a:bodyPr wrap="square">
+            <a:spAutoFit/>
+          </a:bodyPr>
           <a:lstStyle/>
           <a:p>
-            <a:endParaRPr lang="en-US"/>
-          </a:p>
-        </p:txBody>
-      </p:sp>
-      <p:sp>
-        <p:nvSpPr>
-          <p:cNvPr id="3" name="מציין מיקום תוכן 2">
+            <a:r>
+              <a:rPr lang="en-US" dirty="0"/>
+              <a:t>OPM</a:t>
+            </a:r>
+            <a:br>
+              <a:rPr lang="en-US" dirty="0"/>
+            </a:br>
+            <a:r>
+              <a:rPr lang="en-US" dirty="0"/>
+              <a:t>&amp;</a:t>
+            </a:r>
+            <a:br>
+              <a:rPr lang="en-US" dirty="0"/>
+            </a:br>
+            <a:r>
+              <a:rPr lang="en-US" dirty="0"/>
+              <a:t>CTM </a:t>
+            </a:r>
+          </a:p>
+        </p:txBody>
+      </p:sp>
+      <p:pic>
+        <p:nvPicPr>
+          <p:cNvPr id="5" name="מציין מיקום תוכן 4" descr="תמונה שמכילה טקסט, צילום מסך, קו, עלילה&#10;&#10;תוכן בינה מלאכותית גנרטיבית עשוי להיות שגוי.">
             <a:extLst>
               <a:ext uri="{FF2B5EF4-FFF2-40B4-BE49-F238E27FC236}">
-                <a16:creationId xmlns:a16="http://schemas.microsoft.com/office/drawing/2014/main" id="{CF938D27-8F73-52F8-7AC9-6AD0703AAF85}"/>
+                <a16:creationId xmlns:a16="http://schemas.microsoft.com/office/drawing/2014/main" id="{D46B517F-BCA1-5E95-81FB-1CCBECCF6E3F}"/>
               </a:ext>
             </a:extLst>
           </p:cNvPr>
-          <p:cNvSpPr>
-            <a:spLocks noGrp="1"/>
-          </p:cNvSpPr>
-          <p:nvPr>
-            <p:ph idx="1"/>
-          </p:nvPr>
-        </p:nvSpPr>
-        <p:spPr/>
-        <p:txBody>
-          <a:bodyPr/>
-          <a:lstStyle/>
-          <a:p>
-            <a:r>
-              <a:rPr lang="he-IL" dirty="0"/>
-              <a:t>צריך להוסיף על מטלה 2?</a:t>
-            </a:r>
-            <a:br>
-              <a:rPr lang="en-US" dirty="0"/>
-            </a:br>
-            <a:r>
-              <a:rPr lang="he-IL" dirty="0"/>
-              <a:t>צריך להסביר על האלגוריתם או רק התוצאות?</a:t>
-            </a:r>
-            <a:br>
-              <a:rPr lang="en-US" dirty="0"/>
-            </a:br>
-            <a:r>
-              <a:rPr lang="he-IL" dirty="0"/>
-              <a:t>אלגוריתם כיצד מומש? מדוע מומש ככה? כיצד הוצאנו תוצאות מהקוד בפונקציה הראשית לאחר חילוץ </a:t>
-            </a:r>
-            <a:r>
-              <a:rPr lang="he-IL" dirty="0" err="1"/>
-              <a:t>מוטיפים</a:t>
-            </a:r>
-            <a:r>
-              <a:rPr lang="he-IL" dirty="0"/>
-              <a:t>? פשוט שמנו בגרף </a:t>
-            </a:r>
-            <a:br>
-              <a:rPr lang="en-US" dirty="0"/>
-            </a:br>
-            <a:r>
-              <a:rPr lang="he-IL" dirty="0"/>
-              <a:t>האם כדי להוסיף חד שנתי? כרגע השנתי הוא איחוד של 12 שנים שדווקא אהבתי כי אם יש </a:t>
-            </a:r>
-            <a:r>
-              <a:rPr lang="he-IL" dirty="0" err="1"/>
-              <a:t>מוטיפים</a:t>
-            </a:r>
-            <a:r>
-              <a:rPr lang="he-IL" dirty="0"/>
-              <a:t> כאילו ארוכים זה מעיד שיש התחממות ברורה</a:t>
-            </a:r>
-            <a:endParaRPr lang="en-US" dirty="0"/>
-          </a:p>
-        </p:txBody>
-      </p:sp>
+          <p:cNvPicPr>
+            <a:picLocks noChangeAspect="1"/>
+          </p:cNvPicPr>
+          <p:nvPr/>
+        </p:nvPicPr>
+        <p:blipFill>
+          <a:blip r:embed="rId3">
+            <a:extLst>
+              <a:ext uri="{28A0092B-C50C-407E-A947-70E740481C1C}">
+                <a14:useLocalDpi xmlns:a14="http://schemas.microsoft.com/office/drawing/2010/main" val="0"/>
+              </a:ext>
+            </a:extLst>
+          </a:blip>
+          <a:stretch>
+            <a:fillRect/>
+          </a:stretch>
+        </p:blipFill>
+        <p:spPr>
+          <a:xfrm>
+            <a:off x="1373330" y="588004"/>
+            <a:ext cx="8693997" cy="5829300"/>
+          </a:xfrm>
+          <a:prstGeom prst="rect">
+            <a:avLst/>
+          </a:prstGeom>
+        </p:spPr>
+      </p:pic>
     </p:spTree>
     <p:extLst>
       <p:ext uri="{BB962C8B-B14F-4D97-AF65-F5344CB8AC3E}">
-        <p14:creationId xmlns:p14="http://schemas.microsoft.com/office/powerpoint/2010/main" val="582594364"/>
+        <p14:creationId xmlns:p14="http://schemas.microsoft.com/office/powerpoint/2010/main" val="2437191004"/>
       </p:ext>
     </p:extLst>
   </p:cSld>
@@ -9460,6 +9587,445 @@
       </p:grpSpPr>
       <p:sp>
         <p:nvSpPr>
+          <p:cNvPr id="2" name="Title 1">
+            <a:extLst>
+              <a:ext uri="{FF2B5EF4-FFF2-40B4-BE49-F238E27FC236}">
+                <a16:creationId xmlns:a16="http://schemas.microsoft.com/office/drawing/2014/main" id="{667E1EE1-BCC7-2C5B-2FED-7F1523386076}"/>
+              </a:ext>
+            </a:extLst>
+          </p:cNvPr>
+          <p:cNvSpPr>
+            <a:spLocks noGrp="1"/>
+          </p:cNvSpPr>
+          <p:nvPr>
+            <p:ph type="title"/>
+          </p:nvPr>
+        </p:nvSpPr>
+        <p:spPr/>
+        <p:txBody>
+          <a:bodyPr/>
+          <a:lstStyle/>
+          <a:p>
+            <a:r>
+              <a:rPr lang="en-US" dirty="0"/>
+              <a:t>CTM OPM</a:t>
+            </a:r>
+            <a:r>
+              <a:rPr lang="he-IL" dirty="0"/>
+              <a:t>גרף שך כל המוטיפים מאורכים שונים</a:t>
+            </a:r>
+            <a:br>
+              <a:rPr lang="he-IL" dirty="0"/>
+            </a:br>
+            <a:endParaRPr lang="he-IL" dirty="0"/>
+          </a:p>
+        </p:txBody>
+      </p:sp>
+      <p:sp>
+        <p:nvSpPr>
+          <p:cNvPr id="3" name="Text Placeholder 2">
+            <a:extLst>
+              <a:ext uri="{FF2B5EF4-FFF2-40B4-BE49-F238E27FC236}">
+                <a16:creationId xmlns:a16="http://schemas.microsoft.com/office/drawing/2014/main" id="{6348C9B7-338E-502D-2D42-6AC7DD12239C}"/>
+              </a:ext>
+            </a:extLst>
+          </p:cNvPr>
+          <p:cNvSpPr>
+            <a:spLocks noGrp="1"/>
+          </p:cNvSpPr>
+          <p:nvPr>
+            <p:ph type="body" idx="1"/>
+          </p:nvPr>
+        </p:nvSpPr>
+        <p:spPr/>
+        <p:txBody>
+          <a:bodyPr/>
+          <a:lstStyle/>
+          <a:p>
+            <a:endParaRPr lang="he-IL"/>
+          </a:p>
+        </p:txBody>
+      </p:sp>
+    </p:spTree>
+    <p:extLst>
+      <p:ext uri="{BB962C8B-B14F-4D97-AF65-F5344CB8AC3E}">
+        <p14:creationId xmlns:p14="http://schemas.microsoft.com/office/powerpoint/2010/main" val="2126236731"/>
+      </p:ext>
+    </p:extLst>
+  </p:cSld>
+  <p:clrMapOvr>
+    <a:masterClrMapping/>
+  </p:clrMapOvr>
+</p:sld>
+</file>
+
+<file path=ppt/slides/slide14.xml><?xml version="1.0" encoding="utf-8"?>
+<p:sld xmlns:a="http://schemas.openxmlformats.org/drawingml/2006/main" xmlns:r="http://schemas.openxmlformats.org/officeDocument/2006/relationships" xmlns:p="http://schemas.openxmlformats.org/presentationml/2006/main">
+  <p:cSld>
+    <p:spTree>
+      <p:nvGrpSpPr>
+        <p:cNvPr id="1" name=""/>
+        <p:cNvGrpSpPr/>
+        <p:nvPr/>
+      </p:nvGrpSpPr>
+      <p:grpSpPr>
+        <a:xfrm>
+          <a:off x="0" y="0"/>
+          <a:ext cx="0" cy="0"/>
+          <a:chOff x="0" y="0"/>
+          <a:chExt cx="0" cy="0"/>
+        </a:xfrm>
+      </p:grpSpPr>
+      <p:sp>
+        <p:nvSpPr>
+          <p:cNvPr id="2" name="כותרת 1">
+            <a:extLst>
+              <a:ext uri="{FF2B5EF4-FFF2-40B4-BE49-F238E27FC236}">
+                <a16:creationId xmlns:a16="http://schemas.microsoft.com/office/drawing/2014/main" id="{D09FEDAD-36E4-C5B0-0A90-295D44217EDC}"/>
+              </a:ext>
+            </a:extLst>
+          </p:cNvPr>
+          <p:cNvSpPr>
+            <a:spLocks noGrp="1"/>
+          </p:cNvSpPr>
+          <p:nvPr>
+            <p:ph type="title"/>
+          </p:nvPr>
+        </p:nvSpPr>
+        <p:spPr/>
+        <p:txBody>
+          <a:bodyPr/>
+          <a:lstStyle/>
+          <a:p>
+            <a:pPr algn="l" rtl="0"/>
+            <a:r>
+              <a:rPr lang="en-US" dirty="0"/>
+              <a:t>Conclusions:</a:t>
+            </a:r>
+          </a:p>
+        </p:txBody>
+      </p:sp>
+      <p:sp>
+        <p:nvSpPr>
+          <p:cNvPr id="3" name="מציין מיקום תוכן 2">
+            <a:extLst>
+              <a:ext uri="{FF2B5EF4-FFF2-40B4-BE49-F238E27FC236}">
+                <a16:creationId xmlns:a16="http://schemas.microsoft.com/office/drawing/2014/main" id="{F12CEA79-4BA7-33F3-6DF1-52C1779C0E36}"/>
+              </a:ext>
+            </a:extLst>
+          </p:cNvPr>
+          <p:cNvSpPr>
+            <a:spLocks noGrp="1"/>
+          </p:cNvSpPr>
+          <p:nvPr>
+            <p:ph idx="1"/>
+          </p:nvPr>
+        </p:nvSpPr>
+        <p:spPr/>
+        <p:txBody>
+          <a:bodyPr/>
+          <a:lstStyle/>
+          <a:p>
+            <a:pPr algn="l" rtl="0"/>
+            <a:r>
+              <a:rPr lang="en-US" dirty="0"/>
+              <a:t>We can see that the motifs suggests that there’s global warming between the years 1750 – 2025 primarily at the later years</a:t>
+            </a:r>
+            <a:br>
+              <a:rPr lang="en-US" dirty="0"/>
+            </a:br>
+            <a:r>
+              <a:rPr lang="en-US" dirty="0"/>
+              <a:t>lets look at the graphs</a:t>
+            </a:r>
+          </a:p>
+          <a:p>
+            <a:pPr algn="l" rtl="0"/>
+            <a:endParaRPr lang="en-US" dirty="0"/>
+          </a:p>
+        </p:txBody>
+      </p:sp>
+    </p:spTree>
+    <p:extLst>
+      <p:ext uri="{BB962C8B-B14F-4D97-AF65-F5344CB8AC3E}">
+        <p14:creationId xmlns:p14="http://schemas.microsoft.com/office/powerpoint/2010/main" val="1059773293"/>
+      </p:ext>
+    </p:extLst>
+  </p:cSld>
+  <p:clrMapOvr>
+    <a:masterClrMapping/>
+  </p:clrMapOvr>
+</p:sld>
+</file>
+
+<file path=ppt/slides/slide15.xml><?xml version="1.0" encoding="utf-8"?>
+<p:sld xmlns:a="http://schemas.openxmlformats.org/drawingml/2006/main" xmlns:r="http://schemas.openxmlformats.org/officeDocument/2006/relationships" xmlns:p="http://schemas.openxmlformats.org/presentationml/2006/main">
+  <p:cSld>
+    <p:spTree>
+      <p:nvGrpSpPr>
+        <p:cNvPr id="1" name="">
+          <a:extLst>
+            <a:ext uri="{FF2B5EF4-FFF2-40B4-BE49-F238E27FC236}">
+              <a16:creationId xmlns:a16="http://schemas.microsoft.com/office/drawing/2014/main" id="{43E8C764-6BC1-6326-74B5-BD8081873A89}"/>
+            </a:ext>
+          </a:extLst>
+        </p:cNvPr>
+        <p:cNvGrpSpPr/>
+        <p:nvPr/>
+      </p:nvGrpSpPr>
+      <p:grpSpPr>
+        <a:xfrm>
+          <a:off x="0" y="0"/>
+          <a:ext cx="0" cy="0"/>
+          <a:chOff x="0" y="0"/>
+          <a:chExt cx="0" cy="0"/>
+        </a:xfrm>
+      </p:grpSpPr>
+      <p:sp>
+        <p:nvSpPr>
+          <p:cNvPr id="2" name="כותרת 1">
+            <a:extLst>
+              <a:ext uri="{FF2B5EF4-FFF2-40B4-BE49-F238E27FC236}">
+                <a16:creationId xmlns:a16="http://schemas.microsoft.com/office/drawing/2014/main" id="{918A9C2B-2305-BE23-D270-0115D577A13D}"/>
+              </a:ext>
+            </a:extLst>
+          </p:cNvPr>
+          <p:cNvSpPr>
+            <a:spLocks noGrp="1"/>
+          </p:cNvSpPr>
+          <p:nvPr>
+            <p:ph type="title"/>
+          </p:nvPr>
+        </p:nvSpPr>
+        <p:spPr/>
+        <p:txBody>
+          <a:bodyPr/>
+          <a:lstStyle/>
+          <a:p>
+            <a:r>
+              <a:rPr lang="en-US" dirty="0"/>
+              <a:t>Conclusions : Algorithmic Success!</a:t>
+            </a:r>
+          </a:p>
+        </p:txBody>
+      </p:sp>
+      <p:sp>
+        <p:nvSpPr>
+          <p:cNvPr id="3" name="מציין מיקום תוכן 2">
+            <a:extLst>
+              <a:ext uri="{FF2B5EF4-FFF2-40B4-BE49-F238E27FC236}">
+                <a16:creationId xmlns:a16="http://schemas.microsoft.com/office/drawing/2014/main" id="{98A63F34-0480-BC3E-C548-D7AC1774F75B}"/>
+              </a:ext>
+            </a:extLst>
+          </p:cNvPr>
+          <p:cNvSpPr>
+            <a:spLocks noGrp="1"/>
+          </p:cNvSpPr>
+          <p:nvPr>
+            <p:ph idx="1"/>
+          </p:nvPr>
+        </p:nvSpPr>
+        <p:spPr/>
+        <p:txBody>
+          <a:bodyPr/>
+          <a:lstStyle/>
+          <a:p>
+            <a:pPr algn="l" rtl="0"/>
+            <a:r>
+              <a:rPr lang="en-US" dirty="0"/>
+              <a:t>While standard exact matching would’ve returned 0 results.</a:t>
+            </a:r>
+          </a:p>
+          <a:p>
+            <a:pPr algn="l" rtl="0"/>
+            <a:r>
+              <a:rPr lang="en-US" dirty="0"/>
+              <a:t>OPM and CTM extracted thousands of recurring events by ignoring the noise and focusing on the structure</a:t>
+            </a:r>
+          </a:p>
+          <a:p>
+            <a:pPr algn="l" rtl="0"/>
+            <a:endParaRPr lang="en-US" dirty="0"/>
+          </a:p>
+        </p:txBody>
+      </p:sp>
+    </p:spTree>
+    <p:extLst>
+      <p:ext uri="{BB962C8B-B14F-4D97-AF65-F5344CB8AC3E}">
+        <p14:creationId xmlns:p14="http://schemas.microsoft.com/office/powerpoint/2010/main" val="3833514996"/>
+      </p:ext>
+    </p:extLst>
+  </p:cSld>
+  <p:clrMapOvr>
+    <a:masterClrMapping/>
+  </p:clrMapOvr>
+</p:sld>
+</file>
+
+<file path=ppt/slides/slide16.xml><?xml version="1.0" encoding="utf-8"?>
+<p:sld xmlns:a="http://schemas.openxmlformats.org/drawingml/2006/main" xmlns:r="http://schemas.openxmlformats.org/officeDocument/2006/relationships" xmlns:p="http://schemas.openxmlformats.org/presentationml/2006/main">
+  <p:cSld>
+    <p:spTree>
+      <p:nvGrpSpPr>
+        <p:cNvPr id="1" name=""/>
+        <p:cNvGrpSpPr/>
+        <p:nvPr/>
+      </p:nvGrpSpPr>
+      <p:grpSpPr>
+        <a:xfrm>
+          <a:off x="0" y="0"/>
+          <a:ext cx="0" cy="0"/>
+          <a:chOff x="0" y="0"/>
+          <a:chExt cx="0" cy="0"/>
+        </a:xfrm>
+      </p:grpSpPr>
+      <p:sp>
+        <p:nvSpPr>
+          <p:cNvPr id="2" name="כותרת 1">
+            <a:extLst>
+              <a:ext uri="{FF2B5EF4-FFF2-40B4-BE49-F238E27FC236}">
+                <a16:creationId xmlns:a16="http://schemas.microsoft.com/office/drawing/2014/main" id="{2615CE92-00AE-F206-447F-2F92BE579A42}"/>
+              </a:ext>
+            </a:extLst>
+          </p:cNvPr>
+          <p:cNvSpPr>
+            <a:spLocks noGrp="1"/>
+          </p:cNvSpPr>
+          <p:nvPr>
+            <p:ph type="title"/>
+          </p:nvPr>
+        </p:nvSpPr>
+        <p:spPr/>
+        <p:txBody>
+          <a:bodyPr/>
+          <a:lstStyle/>
+          <a:p>
+            <a:endParaRPr lang="en-US"/>
+          </a:p>
+        </p:txBody>
+      </p:sp>
+      <p:sp>
+        <p:nvSpPr>
+          <p:cNvPr id="3" name="מציין מיקום תוכן 2">
+            <a:extLst>
+              <a:ext uri="{FF2B5EF4-FFF2-40B4-BE49-F238E27FC236}">
+                <a16:creationId xmlns:a16="http://schemas.microsoft.com/office/drawing/2014/main" id="{CF938D27-8F73-52F8-7AC9-6AD0703AAF85}"/>
+              </a:ext>
+            </a:extLst>
+          </p:cNvPr>
+          <p:cNvSpPr>
+            <a:spLocks noGrp="1"/>
+          </p:cNvSpPr>
+          <p:nvPr>
+            <p:ph idx="1"/>
+          </p:nvPr>
+        </p:nvSpPr>
+        <p:spPr/>
+        <p:txBody>
+          <a:bodyPr/>
+          <a:lstStyle/>
+          <a:p>
+            <a:r>
+              <a:rPr lang="he-IL" dirty="0"/>
+              <a:t>צריך להוסיף על מטלה 2?</a:t>
+            </a:r>
+            <a:br>
+              <a:rPr lang="en-US" dirty="0"/>
+            </a:br>
+            <a:r>
+              <a:rPr lang="he-IL" dirty="0"/>
+              <a:t>צריך להסביר על האלגוריתם או רק התוצאות?</a:t>
+            </a:r>
+            <a:br>
+              <a:rPr lang="en-US" dirty="0"/>
+            </a:br>
+            <a:r>
+              <a:rPr lang="he-IL" dirty="0"/>
+              <a:t>אלגוריתם כיצד מומש? מדוע מומש ככה? כיצד הוצאנו תוצאות מהקוד בפונקציה הראשית לאחר חילוץ </a:t>
+            </a:r>
+            <a:r>
+              <a:rPr lang="he-IL" dirty="0" err="1"/>
+              <a:t>מוטיפים</a:t>
+            </a:r>
+            <a:r>
+              <a:rPr lang="he-IL" dirty="0"/>
+              <a:t>? פשוט שמנו בגרף </a:t>
+            </a:r>
+            <a:br>
+              <a:rPr lang="en-US" dirty="0"/>
+            </a:br>
+            <a:r>
+              <a:rPr lang="he-IL" dirty="0"/>
+              <a:t>האם כדאי להוסיף חד שנתי? כרגע השנתי הוא איחוד של 12 שנים שדווקא אהבתי כי אם יש מוטיפים כאילו ארוכים זה מעיד שיש התחממות ברורה</a:t>
+            </a:r>
+          </a:p>
+          <a:p>
+            <a:r>
+              <a:rPr lang="he-IL" dirty="0"/>
+              <a:t>האם צריך לשפר את סיבוכיות האלגוריתם.</a:t>
+            </a:r>
+          </a:p>
+          <a:p>
+            <a:r>
+              <a:rPr lang="he-IL" dirty="0"/>
+              <a:t>)</a:t>
+            </a:r>
+            <a:r>
+              <a:rPr lang="en-US" dirty="0"/>
+              <a:t>OPM</a:t>
+            </a:r>
+            <a:r>
+              <a:rPr lang="he-IL" dirty="0"/>
+              <a:t>(</a:t>
+            </a:r>
+            <a:endParaRPr lang="en-US" dirty="0"/>
+          </a:p>
+          <a:p>
+            <a:r>
+              <a:rPr lang="he-IL" dirty="0"/>
+              <a:t>מטלה 2 האם מספיק על ערך אחד של חסם תחתון.</a:t>
+            </a:r>
+          </a:p>
+          <a:p>
+            <a:endParaRPr lang="he-IL" dirty="0"/>
+          </a:p>
+          <a:p>
+            <a:endParaRPr lang="he-IL" dirty="0"/>
+          </a:p>
+        </p:txBody>
+      </p:sp>
+    </p:spTree>
+    <p:extLst>
+      <p:ext uri="{BB962C8B-B14F-4D97-AF65-F5344CB8AC3E}">
+        <p14:creationId xmlns:p14="http://schemas.microsoft.com/office/powerpoint/2010/main" val="582594364"/>
+      </p:ext>
+    </p:extLst>
+  </p:cSld>
+  <p:clrMapOvr>
+    <a:masterClrMapping/>
+  </p:clrMapOvr>
+</p:sld>
+</file>
+
+<file path=ppt/slides/slide17.xml><?xml version="1.0" encoding="utf-8"?>
+<p:sld xmlns:a="http://schemas.openxmlformats.org/drawingml/2006/main" xmlns:r="http://schemas.openxmlformats.org/officeDocument/2006/relationships" xmlns:p="http://schemas.openxmlformats.org/presentationml/2006/main">
+  <p:cSld>
+    <p:spTree>
+      <p:nvGrpSpPr>
+        <p:cNvPr id="1" name=""/>
+        <p:cNvGrpSpPr/>
+        <p:nvPr/>
+      </p:nvGrpSpPr>
+      <p:grpSpPr>
+        <a:xfrm>
+          <a:off x="0" y="0"/>
+          <a:ext cx="0" cy="0"/>
+          <a:chOff x="0" y="0"/>
+          <a:chExt cx="0" cy="0"/>
+        </a:xfrm>
+      </p:grpSpPr>
+      <p:sp>
+        <p:nvSpPr>
           <p:cNvPr id="2" name="כותרת 1">
             <a:extLst>
               <a:ext uri="{FF2B5EF4-FFF2-40B4-BE49-F238E27FC236}">
@@ -9508,29 +10074,141 @@
         </p:nvSpPr>
         <p:spPr/>
         <p:txBody>
-          <a:bodyPr/>
+          <a:bodyPr>
+            <a:normAutofit fontScale="92500"/>
+          </a:bodyPr>
           <a:lstStyle/>
           <a:p>
             <a:r>
               <a:rPr lang="he-IL" dirty="0"/>
-              <a:t>לתת הערות לקוד</a:t>
-            </a:r>
-          </a:p>
-          <a:p>
+              <a:t> -  לתת הערות לקוד</a:t>
+            </a:r>
+            <a:r>
+              <a:rPr lang="en-US" dirty="0"/>
+              <a:t> </a:t>
+            </a:r>
             <a:r>
               <a:rPr lang="he-IL" dirty="0"/>
-              <a:t>לעשות את הדוח</a:t>
+              <a:t>יוני</a:t>
             </a:r>
           </a:p>
           <a:p>
             <a:r>
               <a:rPr lang="he-IL" dirty="0"/>
-              <a:t>לסיים </a:t>
-            </a:r>
-            <a:r>
-              <a:rPr lang="he-IL"/>
-              <a:t>את המצגת</a:t>
-            </a:r>
+              <a:t>ללעשות את הדוח</a:t>
+            </a:r>
+            <a:r>
+              <a:rPr lang="en-US" dirty="0"/>
+              <a:t> -  </a:t>
+            </a:r>
+            <a:r>
+              <a:rPr lang="he-IL" dirty="0"/>
+              <a:t>יובל</a:t>
+            </a:r>
+            <a:r>
+              <a:rPr lang="en-US" dirty="0"/>
+              <a:t> </a:t>
+            </a:r>
+            <a:endParaRPr lang="he-IL" dirty="0"/>
+          </a:p>
+          <a:p>
+            <a:r>
+              <a:rPr lang="he-IL" dirty="0"/>
+              <a:t>סיים את המצגת</a:t>
+            </a:r>
+          </a:p>
+          <a:p>
+            <a:r>
+              <a:rPr lang="he-IL" dirty="0"/>
+              <a:t>לבנות גרף עבור עשרת המוטיבים הגדולים ביותר של </a:t>
+            </a:r>
+            <a:r>
+              <a:rPr lang="en-US" dirty="0"/>
+              <a:t>CTM,OPM. -</a:t>
+            </a:r>
+            <a:r>
+              <a:rPr lang="en-US" dirty="0" err="1"/>
+              <a:t>shahar</a:t>
+            </a:r>
+            <a:endParaRPr lang="en-US" dirty="0"/>
+          </a:p>
+          <a:p>
+            <a:r>
+              <a:rPr lang="en-US" dirty="0"/>
+              <a:t>CTM OPM</a:t>
+            </a:r>
+            <a:r>
+              <a:rPr lang="he-IL" dirty="0"/>
+              <a:t>גרף שך כל המוטיפים מאורכים שונים</a:t>
+            </a:r>
+            <a:r>
+              <a:rPr lang="en-US" dirty="0"/>
+              <a:t>- yoni</a:t>
+            </a:r>
+            <a:endParaRPr lang="he-IL" dirty="0"/>
+          </a:p>
+          <a:p>
+            <a:r>
+              <a:rPr lang="he-IL" dirty="0"/>
+              <a:t>עץ של איך נראה העץ של  כל אורך אפשרי</a:t>
+            </a:r>
+            <a:r>
+              <a:rPr lang="en-US" dirty="0"/>
+              <a:t> </a:t>
+            </a:r>
+            <a:r>
+              <a:rPr lang="en-US" dirty="0" err="1"/>
+              <a:t>CTm</a:t>
+            </a:r>
+            <a:r>
+              <a:rPr lang="en-US" dirty="0"/>
+              <a:t> TOP </a:t>
+            </a:r>
+            <a:r>
+              <a:rPr lang="he-IL" dirty="0"/>
+              <a:t> עצים משמעותיים</a:t>
+            </a:r>
+            <a:r>
+              <a:rPr lang="en-US" dirty="0"/>
+              <a:t> </a:t>
+            </a:r>
+            <a:r>
+              <a:rPr lang="en-US" dirty="0" err="1"/>
+              <a:t>shahar</a:t>
+            </a:r>
+            <a:endParaRPr lang="en-US" dirty="0"/>
+          </a:p>
+          <a:p>
+            <a:r>
+              <a:rPr lang="he-IL" dirty="0"/>
+              <a:t>להוסיף </a:t>
+            </a:r>
+            <a:r>
+              <a:rPr lang="en-US" dirty="0"/>
+              <a:t>TASK </a:t>
+            </a:r>
+            <a:r>
+              <a:rPr lang="he-IL" dirty="0"/>
+              <a:t>2</a:t>
+            </a:r>
+            <a:r>
+              <a:rPr lang="en-US" dirty="0"/>
+              <a:t> yoni</a:t>
+            </a:r>
+            <a:endParaRPr lang="he-IL" dirty="0"/>
+          </a:p>
+          <a:p>
+            <a:r>
+              <a:rPr lang="he-IL" dirty="0"/>
+              <a:t>להרחיב את הגרף</a:t>
+            </a:r>
+            <a:r>
+              <a:rPr lang="en-US" dirty="0"/>
+              <a:t> yoni</a:t>
+            </a:r>
+            <a:endParaRPr lang="he-IL" dirty="0"/>
+          </a:p>
+          <a:p>
             <a:endParaRPr lang="en-US" dirty="0"/>
           </a:p>
         </p:txBody>
@@ -9849,7 +10527,7 @@
         </p:nvSpPr>
         <p:spPr>
           <a:xfrm>
-            <a:off x="1346200" y="1632801"/>
+            <a:off x="1346200" y="1575412"/>
             <a:ext cx="6096000" cy="369332"/>
           </a:xfrm>
           <a:prstGeom prst="rect">
@@ -10043,174 +10721,10 @@
           <a:chExt cx="0" cy="0"/>
         </a:xfrm>
       </p:grpSpPr>
-      <p:sp>
-        <p:nvSpPr>
-          <p:cNvPr id="2" name="כותרת 1">
-            <a:extLst>
-              <a:ext uri="{FF2B5EF4-FFF2-40B4-BE49-F238E27FC236}">
-                <a16:creationId xmlns:a16="http://schemas.microsoft.com/office/drawing/2014/main" id="{46AA4882-461B-DF2E-9401-08C0485FD19F}"/>
-              </a:ext>
-            </a:extLst>
-          </p:cNvPr>
-          <p:cNvSpPr>
-            <a:spLocks noGrp="1"/>
-          </p:cNvSpPr>
-          <p:nvPr>
-            <p:ph type="title"/>
-          </p:nvPr>
-        </p:nvSpPr>
-        <p:spPr/>
-        <p:txBody>
-          <a:bodyPr/>
-          <a:lstStyle/>
-          <a:p>
-            <a:pPr algn="l" rtl="0"/>
-            <a:r>
-              <a:rPr lang="en-US" dirty="0"/>
-              <a:t>OPM &amp; CTM Graph Results</a:t>
-            </a:r>
-          </a:p>
-        </p:txBody>
-      </p:sp>
-      <p:pic>
-        <p:nvPicPr>
-          <p:cNvPr id="5" name="מציין מיקום תוכן 4" descr="תמונה שמכילה טקסט, צילום מסך, עלילה, קו&#10;&#10;תוכן בינה מלאכותית גנרטיבית עשוי להיות שגוי.">
-            <a:extLst>
-              <a:ext uri="{FF2B5EF4-FFF2-40B4-BE49-F238E27FC236}">
-                <a16:creationId xmlns:a16="http://schemas.microsoft.com/office/drawing/2014/main" id="{3AE84080-F469-8313-5BA5-30C7C0C91E4B}"/>
-              </a:ext>
-            </a:extLst>
-          </p:cNvPr>
-          <p:cNvPicPr>
-            <a:picLocks noGrp="1" noChangeAspect="1"/>
-          </p:cNvPicPr>
-          <p:nvPr>
-            <p:ph idx="1"/>
-          </p:nvPr>
-        </p:nvPicPr>
-        <p:blipFill>
-          <a:blip r:embed="rId3">
-            <a:extLst>
-              <a:ext uri="{28A0092B-C50C-407E-A947-70E740481C1C}">
-                <a14:useLocalDpi xmlns:a14="http://schemas.microsoft.com/office/drawing/2010/main" val="0"/>
-              </a:ext>
-            </a:extLst>
-          </a:blip>
-          <a:stretch>
-            <a:fillRect/>
-          </a:stretch>
-        </p:blipFill>
-        <p:spPr>
-          <a:xfrm>
-            <a:off x="4385324" y="1975360"/>
-            <a:ext cx="6742368" cy="4563422"/>
-          </a:xfrm>
-        </p:spPr>
-      </p:pic>
-      <p:sp>
-        <p:nvSpPr>
-          <p:cNvPr id="7" name="תיבת טקסט 6">
-            <a:extLst>
-              <a:ext uri="{FF2B5EF4-FFF2-40B4-BE49-F238E27FC236}">
-                <a16:creationId xmlns:a16="http://schemas.microsoft.com/office/drawing/2014/main" id="{AA6C1A4E-42E9-B1E5-8C57-1FB293A666A4}"/>
-              </a:ext>
-            </a:extLst>
-          </p:cNvPr>
-          <p:cNvSpPr txBox="1"/>
-          <p:nvPr/>
-        </p:nvSpPr>
-        <p:spPr>
-          <a:xfrm>
-            <a:off x="0" y="2351805"/>
-            <a:ext cx="6096000" cy="2308324"/>
-          </a:xfrm>
-          <a:prstGeom prst="rect">
-            <a:avLst/>
-          </a:prstGeom>
-          <a:noFill/>
-        </p:spPr>
-        <p:txBody>
-          <a:bodyPr wrap="square">
-            <a:spAutoFit/>
-          </a:bodyPr>
-          <a:lstStyle/>
-          <a:p>
-            <a:pPr algn="l" rtl="0"/>
-            <a:r>
-              <a:rPr lang="en-US" dirty="0"/>
-              <a:t>In our algorithm:</a:t>
-            </a:r>
-          </a:p>
-          <a:p>
-            <a:pPr marL="285750" indent="-285750">
-              <a:buFont typeface="Arial" panose="020B0604020202020204" pitchFamily="34" charset="0"/>
-              <a:buChar char="•"/>
-            </a:pPr>
-            <a:r>
-              <a:rPr lang="en-US" dirty="0"/>
-              <a:t> </a:t>
-            </a:r>
-            <a:r>
-              <a:rPr lang="en-US" b="1" dirty="0"/>
-              <a:t>L</a:t>
-            </a:r>
-            <a:r>
-              <a:rPr lang="en-US" dirty="0"/>
-              <a:t> = length of the motif.</a:t>
-            </a:r>
-          </a:p>
-          <a:p>
-            <a:pPr marL="285750" indent="-285750">
-              <a:buFont typeface="Arial" panose="020B0604020202020204" pitchFamily="34" charset="0"/>
-              <a:buChar char="•"/>
-            </a:pPr>
-            <a:r>
-              <a:rPr lang="en-US" dirty="0"/>
-              <a:t> Data points = monthly values </a:t>
-            </a:r>
-            <a:br>
-              <a:rPr lang="en-US" dirty="0"/>
-            </a:br>
-            <a:endParaRPr lang="en-US" dirty="0"/>
-          </a:p>
-          <a:p>
-            <a:pPr algn="l" rtl="0"/>
-            <a:r>
-              <a:rPr lang="en-US" dirty="0"/>
-              <a:t> Therefore:</a:t>
-            </a:r>
-          </a:p>
-          <a:p>
-            <a:pPr algn="l" rtl="0"/>
-            <a:br>
-              <a:rPr lang="en-US" dirty="0"/>
-            </a:br>
-            <a:r>
-              <a:rPr lang="en-US" dirty="0"/>
-              <a:t> </a:t>
-            </a:r>
-            <a:r>
-              <a:rPr lang="en-US" b="1" dirty="0"/>
-              <a:t>L</a:t>
-            </a:r>
-            <a:r>
-              <a:rPr lang="en-US" dirty="0"/>
-              <a:t> equals the number of consecutive</a:t>
-            </a:r>
-            <a:br>
-              <a:rPr lang="en-US" dirty="0"/>
-            </a:br>
-            <a:r>
-              <a:rPr lang="en-US" dirty="0"/>
-              <a:t> months we analyze.</a:t>
-            </a:r>
-          </a:p>
-        </p:txBody>
-      </p:sp>
     </p:spTree>
     <p:extLst>
       <p:ext uri="{BB962C8B-B14F-4D97-AF65-F5344CB8AC3E}">
-        <p14:creationId xmlns:p14="http://schemas.microsoft.com/office/powerpoint/2010/main" val="1078376001"/>
+        <p14:creationId xmlns:p14="http://schemas.microsoft.com/office/powerpoint/2010/main" val="2048190528"/>
       </p:ext>
     </p:extLst>
   </p:cSld>
@@ -10225,13 +10739,7 @@
   <p:cSld>
     <p:spTree>
       <p:nvGrpSpPr>
-        <p:cNvPr id="1" name="">
-          <a:extLst>
-            <a:ext uri="{FF2B5EF4-FFF2-40B4-BE49-F238E27FC236}">
-              <a16:creationId xmlns:a16="http://schemas.microsoft.com/office/drawing/2014/main" id="{E0753F4B-8606-5698-C0E5-2B8E7B99553F}"/>
-            </a:ext>
-          </a:extLst>
-        </p:cNvPr>
+        <p:cNvPr id="1" name=""/>
         <p:cNvGrpSpPr/>
         <p:nvPr/>
       </p:nvGrpSpPr>
@@ -10245,93 +10753,69 @@
       </p:grpSpPr>
       <p:sp>
         <p:nvSpPr>
-          <p:cNvPr id="3" name="תיבת טקסט 2">
+          <p:cNvPr id="2" name="Title 1">
             <a:extLst>
               <a:ext uri="{FF2B5EF4-FFF2-40B4-BE49-F238E27FC236}">
-                <a16:creationId xmlns:a16="http://schemas.microsoft.com/office/drawing/2014/main" id="{26926003-03E4-4C2C-6AFF-AAE60CA0ED3B}"/>
+                <a16:creationId xmlns:a16="http://schemas.microsoft.com/office/drawing/2014/main" id="{808B9FA2-A7FB-66E4-5E1E-B571E843773D}"/>
               </a:ext>
             </a:extLst>
           </p:cNvPr>
-          <p:cNvSpPr txBox="1"/>
-          <p:nvPr/>
-        </p:nvSpPr>
-        <p:spPr>
-          <a:xfrm>
-            <a:off x="10966174" y="779430"/>
-            <a:ext cx="6096000" cy="923330"/>
-          </a:xfrm>
-          <a:prstGeom prst="rect">
-            <a:avLst/>
-          </a:prstGeom>
-          <a:noFill/>
-        </p:spPr>
-        <p:txBody>
-          <a:bodyPr wrap="square">
-            <a:spAutoFit/>
-          </a:bodyPr>
+          <p:cNvSpPr>
+            <a:spLocks noGrp="1"/>
+          </p:cNvSpPr>
+          <p:nvPr>
+            <p:ph type="ctrTitle"/>
+          </p:nvPr>
+        </p:nvSpPr>
+        <p:spPr/>
+        <p:txBody>
+          <a:bodyPr/>
           <a:lstStyle/>
           <a:p>
             <a:r>
+              <a:rPr lang="he-IL" dirty="0"/>
+              <a:t>לבנות גרף עבור עשרת המוטיבים הגדולים ביותר של </a:t>
+            </a:r>
+            <a:r>
               <a:rPr lang="en-US" dirty="0"/>
-              <a:t>OPM</a:t>
+              <a:t>CTM,OPM.</a:t>
             </a:r>
             <a:br>
               <a:rPr lang="en-US" dirty="0"/>
             </a:br>
-            <a:r>
-              <a:rPr lang="en-US" dirty="0"/>
-              <a:t>&amp;</a:t>
-            </a:r>
-            <a:br>
-              <a:rPr lang="en-US" dirty="0"/>
-            </a:br>
-            <a:r>
-              <a:rPr lang="en-US" dirty="0"/>
-              <a:t>CTM </a:t>
-            </a:r>
-          </a:p>
-        </p:txBody>
-      </p:sp>
-      <p:pic>
-        <p:nvPicPr>
-          <p:cNvPr id="4" name="מציין מיקום תוכן 4" descr="תמונה שמכילה טקסט, צילום מסך, תרשים, עלילה&#10;&#10;תוכן בינה מלאכותית גנרטיבית עשוי להיות שגוי.">
+            <a:endParaRPr lang="he-IL" dirty="0"/>
+          </a:p>
+        </p:txBody>
+      </p:sp>
+      <p:sp>
+        <p:nvSpPr>
+          <p:cNvPr id="3" name="Subtitle 2">
             <a:extLst>
               <a:ext uri="{FF2B5EF4-FFF2-40B4-BE49-F238E27FC236}">
-                <a16:creationId xmlns:a16="http://schemas.microsoft.com/office/drawing/2014/main" id="{29761CBB-E626-2222-959B-0C5269908797}"/>
+                <a16:creationId xmlns:a16="http://schemas.microsoft.com/office/drawing/2014/main" id="{DB0762C6-AE77-9861-4F42-5276C3CDD2D5}"/>
               </a:ext>
             </a:extLst>
           </p:cNvPr>
-          <p:cNvPicPr>
-            <a:picLocks noChangeAspect="1"/>
-          </p:cNvPicPr>
-          <p:nvPr/>
-        </p:nvPicPr>
-        <p:blipFill>
-          <a:blip r:embed="rId3">
-            <a:extLst>
-              <a:ext uri="{28A0092B-C50C-407E-A947-70E740481C1C}">
-                <a14:useLocalDpi xmlns:a14="http://schemas.microsoft.com/office/drawing/2010/main" val="0"/>
-              </a:ext>
-            </a:extLst>
-          </a:blip>
-          <a:stretch>
-            <a:fillRect/>
-          </a:stretch>
-        </p:blipFill>
-        <p:spPr>
-          <a:xfrm>
-            <a:off x="1571504" y="607480"/>
-            <a:ext cx="8773499" cy="5853832"/>
-          </a:xfrm>
-          <a:prstGeom prst="rect">
-            <a:avLst/>
-          </a:prstGeom>
-        </p:spPr>
-      </p:pic>
+          <p:cNvSpPr>
+            <a:spLocks noGrp="1"/>
+          </p:cNvSpPr>
+          <p:nvPr>
+            <p:ph type="subTitle" idx="1"/>
+          </p:nvPr>
+        </p:nvSpPr>
+        <p:spPr/>
+        <p:txBody>
+          <a:bodyPr/>
+          <a:lstStyle/>
+          <a:p>
+            <a:endParaRPr lang="he-IL"/>
+          </a:p>
+        </p:txBody>
+      </p:sp>
     </p:spTree>
     <p:extLst>
       <p:ext uri="{BB962C8B-B14F-4D97-AF65-F5344CB8AC3E}">
-        <p14:creationId xmlns:p14="http://schemas.microsoft.com/office/powerpoint/2010/main" val="4241590044"/>
+        <p14:creationId xmlns:p14="http://schemas.microsoft.com/office/powerpoint/2010/main" val="3793851367"/>
       </p:ext>
     </p:extLst>
   </p:cSld>
@@ -10346,13 +10830,7 @@
   <p:cSld>
     <p:spTree>
       <p:nvGrpSpPr>
-        <p:cNvPr id="1" name="">
-          <a:extLst>
-            <a:ext uri="{FF2B5EF4-FFF2-40B4-BE49-F238E27FC236}">
-              <a16:creationId xmlns:a16="http://schemas.microsoft.com/office/drawing/2014/main" id="{941C2F7C-B8FB-31CA-7C78-540E24DA0F84}"/>
-            </a:ext>
-          </a:extLst>
-        </p:cNvPr>
+        <p:cNvPr id="1" name=""/>
         <p:cNvGrpSpPr/>
         <p:nvPr/>
       </p:nvGrpSpPr>
@@ -10366,93 +10844,73 @@
       </p:grpSpPr>
       <p:sp>
         <p:nvSpPr>
-          <p:cNvPr id="3" name="תיבת טקסט 2">
+          <p:cNvPr id="2" name="Title 1">
             <a:extLst>
               <a:ext uri="{FF2B5EF4-FFF2-40B4-BE49-F238E27FC236}">
-                <a16:creationId xmlns:a16="http://schemas.microsoft.com/office/drawing/2014/main" id="{B437D411-EC8D-7969-BA51-7C9741DBD8AA}"/>
+                <a16:creationId xmlns:a16="http://schemas.microsoft.com/office/drawing/2014/main" id="{58DB5575-C759-C784-4FC9-491865720EC8}"/>
               </a:ext>
             </a:extLst>
           </p:cNvPr>
-          <p:cNvSpPr txBox="1"/>
-          <p:nvPr/>
-        </p:nvSpPr>
-        <p:spPr>
-          <a:xfrm>
-            <a:off x="10966174" y="779430"/>
-            <a:ext cx="6096000" cy="923330"/>
-          </a:xfrm>
-          <a:prstGeom prst="rect">
-            <a:avLst/>
-          </a:prstGeom>
-          <a:noFill/>
-        </p:spPr>
-        <p:txBody>
-          <a:bodyPr wrap="square">
-            <a:spAutoFit/>
-          </a:bodyPr>
+          <p:cNvSpPr>
+            <a:spLocks noGrp="1"/>
+          </p:cNvSpPr>
+          <p:nvPr>
+            <p:ph type="title"/>
+          </p:nvPr>
+        </p:nvSpPr>
+        <p:spPr/>
+        <p:txBody>
+          <a:bodyPr/>
           <a:lstStyle/>
           <a:p>
             <a:r>
+              <a:rPr lang="he-IL" dirty="0"/>
+              <a:t>עץ של איך נראה העץ של </a:t>
+            </a:r>
+            <a:r>
               <a:rPr lang="en-US" dirty="0"/>
-              <a:t>OPM</a:t>
+              <a:t> CTF TOP </a:t>
+            </a:r>
+            <a:r>
+              <a:rPr lang="he-IL" dirty="0"/>
+              <a:t> עצים משמעותיים</a:t>
             </a:r>
             <a:br>
               <a:rPr lang="en-US" dirty="0"/>
             </a:br>
-            <a:r>
-              <a:rPr lang="en-US" dirty="0"/>
-              <a:t>&amp;</a:t>
-            </a:r>
-            <a:br>
-              <a:rPr lang="en-US" dirty="0"/>
-            </a:br>
-            <a:r>
-              <a:rPr lang="en-US" dirty="0"/>
-              <a:t>CTM </a:t>
-            </a:r>
-          </a:p>
-        </p:txBody>
-      </p:sp>
-      <p:pic>
-        <p:nvPicPr>
-          <p:cNvPr id="5" name="מציין מיקום תוכן 4" descr="תמונה שמכילה טקסט, תרשים, צילום מסך, עלילה&#10;&#10;תוכן בינה מלאכותית גנרטיבית עשוי להיות שגוי.">
+            <a:endParaRPr lang="he-IL" dirty="0"/>
+          </a:p>
+        </p:txBody>
+      </p:sp>
+      <p:sp>
+        <p:nvSpPr>
+          <p:cNvPr id="3" name="Content Placeholder 2">
             <a:extLst>
               <a:ext uri="{FF2B5EF4-FFF2-40B4-BE49-F238E27FC236}">
-                <a16:creationId xmlns:a16="http://schemas.microsoft.com/office/drawing/2014/main" id="{287C18CF-5274-A1E3-2078-FB978CBBAD5E}"/>
+                <a16:creationId xmlns:a16="http://schemas.microsoft.com/office/drawing/2014/main" id="{16AF0BDD-8B7B-65EF-1377-C339219AD7D1}"/>
               </a:ext>
             </a:extLst>
           </p:cNvPr>
-          <p:cNvPicPr>
-            <a:picLocks noChangeAspect="1"/>
-          </p:cNvPicPr>
-          <p:nvPr/>
-        </p:nvPicPr>
-        <p:blipFill>
-          <a:blip r:embed="rId3">
-            <a:extLst>
-              <a:ext uri="{28A0092B-C50C-407E-A947-70E740481C1C}">
-                <a14:useLocalDpi xmlns:a14="http://schemas.microsoft.com/office/drawing/2010/main" val="0"/>
-              </a:ext>
-            </a:extLst>
-          </a:blip>
-          <a:stretch>
-            <a:fillRect/>
-          </a:stretch>
-        </p:blipFill>
-        <p:spPr>
-          <a:xfrm>
-            <a:off x="1506817" y="606198"/>
-            <a:ext cx="8920824" cy="5645604"/>
-          </a:xfrm>
-          <a:prstGeom prst="rect">
-            <a:avLst/>
-          </a:prstGeom>
-        </p:spPr>
-      </p:pic>
+          <p:cNvSpPr>
+            <a:spLocks noGrp="1"/>
+          </p:cNvSpPr>
+          <p:nvPr>
+            <p:ph idx="1"/>
+          </p:nvPr>
+        </p:nvSpPr>
+        <p:spPr/>
+        <p:txBody>
+          <a:bodyPr/>
+          <a:lstStyle/>
+          <a:p>
+            <a:endParaRPr lang="he-IL" dirty="0"/>
+          </a:p>
+        </p:txBody>
+      </p:sp>
     </p:spTree>
     <p:extLst>
       <p:ext uri="{BB962C8B-B14F-4D97-AF65-F5344CB8AC3E}">
-        <p14:creationId xmlns:p14="http://schemas.microsoft.com/office/powerpoint/2010/main" val="1766459814"/>
+        <p14:creationId xmlns:p14="http://schemas.microsoft.com/office/powerpoint/2010/main" val="901240009"/>
       </p:ext>
     </p:extLst>
   </p:cSld>
@@ -10467,13 +10925,7 @@
   <p:cSld>
     <p:spTree>
       <p:nvGrpSpPr>
-        <p:cNvPr id="1" name="">
-          <a:extLst>
-            <a:ext uri="{FF2B5EF4-FFF2-40B4-BE49-F238E27FC236}">
-              <a16:creationId xmlns:a16="http://schemas.microsoft.com/office/drawing/2014/main" id="{C37A98DF-99DA-EF6E-39C2-73C823EBAC7E}"/>
-            </a:ext>
-          </a:extLst>
-        </p:cNvPr>
+        <p:cNvPr id="1" name=""/>
         <p:cNvGrpSpPr/>
         <p:nvPr/>
       </p:nvGrpSpPr>
@@ -10487,66 +10939,55 @@
       </p:grpSpPr>
       <p:sp>
         <p:nvSpPr>
-          <p:cNvPr id="3" name="תיבת טקסט 2">
+          <p:cNvPr id="2" name="כותרת 1">
             <a:extLst>
               <a:ext uri="{FF2B5EF4-FFF2-40B4-BE49-F238E27FC236}">
-                <a16:creationId xmlns:a16="http://schemas.microsoft.com/office/drawing/2014/main" id="{F71F2BA3-350B-FD8C-2EE0-5EA3E67865EC}"/>
+                <a16:creationId xmlns:a16="http://schemas.microsoft.com/office/drawing/2014/main" id="{46AA4882-461B-DF2E-9401-08C0485FD19F}"/>
               </a:ext>
             </a:extLst>
           </p:cNvPr>
-          <p:cNvSpPr txBox="1"/>
-          <p:nvPr/>
-        </p:nvSpPr>
-        <p:spPr>
-          <a:xfrm>
-            <a:off x="10966174" y="779430"/>
-            <a:ext cx="6096000" cy="923330"/>
-          </a:xfrm>
-          <a:prstGeom prst="rect">
-            <a:avLst/>
-          </a:prstGeom>
-          <a:noFill/>
-        </p:spPr>
-        <p:txBody>
-          <a:bodyPr wrap="square">
-            <a:spAutoFit/>
-          </a:bodyPr>
+          <p:cNvSpPr>
+            <a:spLocks noGrp="1"/>
+          </p:cNvSpPr>
+          <p:nvPr>
+            <p:ph type="title"/>
+          </p:nvPr>
+        </p:nvSpPr>
+        <p:spPr/>
+        <p:txBody>
+          <a:bodyPr/>
           <a:lstStyle/>
           <a:p>
             <a:r>
               <a:rPr lang="en-US" dirty="0"/>
-              <a:t>OPM</a:t>
+              <a:t>OPM &amp; CTM Graph Results </a:t>
+            </a:r>
+            <a:r>
+              <a:rPr lang="he-IL" dirty="0"/>
+              <a:t>להרחיב את הגרף</a:t>
             </a:r>
             <a:br>
-              <a:rPr lang="en-US" dirty="0"/>
+              <a:rPr lang="he-IL" dirty="0"/>
             </a:br>
-            <a:r>
-              <a:rPr lang="en-US" dirty="0"/>
-              <a:t>&amp;</a:t>
-            </a:r>
-            <a:br>
-              <a:rPr lang="en-US" dirty="0"/>
-            </a:br>
-            <a:r>
-              <a:rPr lang="en-US" dirty="0"/>
-              <a:t>CTM </a:t>
-            </a:r>
+            <a:endParaRPr lang="en-US" dirty="0"/>
           </a:p>
         </p:txBody>
       </p:sp>
       <p:pic>
         <p:nvPicPr>
-          <p:cNvPr id="5" name="מציין מיקום תוכן 4" descr="תמונה שמכילה טקסט, צילום מסך, קו, עלילה&#10;&#10;תוכן בינה מלאכותית גנרטיבית עשוי להיות שגוי.">
+          <p:cNvPr id="5" name="מציין מיקום תוכן 4" descr="תמונה שמכילה טקסט, צילום מסך, עלילה, קו&#10;&#10;תוכן בינה מלאכותית גנרטיבית עשוי להיות שגוי.">
             <a:extLst>
               <a:ext uri="{FF2B5EF4-FFF2-40B4-BE49-F238E27FC236}">
-                <a16:creationId xmlns:a16="http://schemas.microsoft.com/office/drawing/2014/main" id="{D46B517F-BCA1-5E95-81FB-1CCBECCF6E3F}"/>
+                <a16:creationId xmlns:a16="http://schemas.microsoft.com/office/drawing/2014/main" id="{3AE84080-F469-8313-5BA5-30C7C0C91E4B}"/>
               </a:ext>
             </a:extLst>
           </p:cNvPr>
           <p:cNvPicPr>
-            <a:picLocks noChangeAspect="1"/>
+            <a:picLocks noGrp="1" noChangeAspect="1"/>
           </p:cNvPicPr>
-          <p:nvPr/>
+          <p:nvPr>
+            <p:ph idx="1"/>
+          </p:nvPr>
         </p:nvPicPr>
         <p:blipFill>
           <a:blip r:embed="rId3">
@@ -10562,18 +11003,115 @@
         </p:blipFill>
         <p:spPr>
           <a:xfrm>
-            <a:off x="1373330" y="588004"/>
-            <a:ext cx="8693997" cy="5829300"/>
+            <a:off x="4385324" y="1975360"/>
+            <a:ext cx="6742368" cy="4563422"/>
+          </a:xfrm>
+        </p:spPr>
+      </p:pic>
+      <p:sp>
+        <p:nvSpPr>
+          <p:cNvPr id="7" name="תיבת טקסט 6">
+            <a:extLst>
+              <a:ext uri="{FF2B5EF4-FFF2-40B4-BE49-F238E27FC236}">
+                <a16:creationId xmlns:a16="http://schemas.microsoft.com/office/drawing/2014/main" id="{AA6C1A4E-42E9-B1E5-8C57-1FB293A666A4}"/>
+              </a:ext>
+            </a:extLst>
+          </p:cNvPr>
+          <p:cNvSpPr txBox="1"/>
+          <p:nvPr/>
+        </p:nvSpPr>
+        <p:spPr>
+          <a:xfrm>
+            <a:off x="0" y="2351805"/>
+            <a:ext cx="6096000" cy="2308324"/>
           </a:xfrm>
           <a:prstGeom prst="rect">
             <a:avLst/>
           </a:prstGeom>
-        </p:spPr>
-      </p:pic>
+          <a:noFill/>
+        </p:spPr>
+        <p:txBody>
+          <a:bodyPr wrap="square">
+            <a:spAutoFit/>
+          </a:bodyPr>
+          <a:lstStyle/>
+          <a:p>
+            <a:pPr algn="l" rtl="0"/>
+            <a:r>
+              <a:rPr lang="en-US" dirty="0"/>
+              <a:t>In our algorithm:</a:t>
+            </a:r>
+          </a:p>
+          <a:p>
+            <a:pPr marL="285750" indent="-285750">
+              <a:buFont typeface="Arial" panose="020B0604020202020204" pitchFamily="34" charset="0"/>
+              <a:buChar char="•"/>
+            </a:pPr>
+            <a:r>
+              <a:rPr lang="en-US" dirty="0"/>
+              <a:t> </a:t>
+            </a:r>
+            <a:r>
+              <a:rPr lang="en-US" b="1" dirty="0"/>
+              <a:t>L</a:t>
+            </a:r>
+            <a:r>
+              <a:rPr lang="en-US" dirty="0"/>
+              <a:t> = length of the motif.</a:t>
+            </a:r>
+          </a:p>
+          <a:p>
+            <a:pPr marL="285750" indent="-285750">
+              <a:buFont typeface="Arial" panose="020B0604020202020204" pitchFamily="34" charset="0"/>
+              <a:buChar char="•"/>
+            </a:pPr>
+            <a:r>
+              <a:rPr lang="en-US" dirty="0"/>
+              <a:t> Data points = monthly values </a:t>
+            </a:r>
+            <a:br>
+              <a:rPr lang="en-US" dirty="0"/>
+            </a:br>
+            <a:endParaRPr lang="en-US" dirty="0"/>
+          </a:p>
+          <a:p>
+            <a:pPr algn="l" rtl="0"/>
+            <a:r>
+              <a:rPr lang="en-US" dirty="0"/>
+              <a:t> Therefore:</a:t>
+            </a:r>
+          </a:p>
+          <a:p>
+            <a:pPr algn="l" rtl="0"/>
+            <a:br>
+              <a:rPr lang="en-US" dirty="0"/>
+            </a:br>
+            <a:r>
+              <a:rPr lang="en-US" dirty="0"/>
+              <a:t> </a:t>
+            </a:r>
+            <a:r>
+              <a:rPr lang="en-US" b="1" dirty="0"/>
+              <a:t>L</a:t>
+            </a:r>
+            <a:r>
+              <a:rPr lang="en-US" dirty="0"/>
+              <a:t> equals the number of consecutive</a:t>
+            </a:r>
+            <a:br>
+              <a:rPr lang="en-US" dirty="0"/>
+            </a:br>
+            <a:r>
+              <a:rPr lang="en-US" dirty="0"/>
+              <a:t> months we analyze.</a:t>
+            </a:r>
+          </a:p>
+        </p:txBody>
+      </p:sp>
     </p:spTree>
     <p:extLst>
       <p:ext uri="{BB962C8B-B14F-4D97-AF65-F5344CB8AC3E}">
-        <p14:creationId xmlns:p14="http://schemas.microsoft.com/office/powerpoint/2010/main" val="2437191004"/>
+        <p14:creationId xmlns:p14="http://schemas.microsoft.com/office/powerpoint/2010/main" val="1078376001"/>
       </p:ext>
     </p:extLst>
   </p:cSld>

--- a/CourseProject/projectpresentaion.pptx
+++ b/CourseProject/projectpresentaion.pptx
@@ -9279,10 +9279,10 @@
       </p:sp>
       <p:pic>
         <p:nvPicPr>
-          <p:cNvPr id="4" name="מציין מיקום תוכן 4" descr="תמונה שמכילה טקסט, צילום מסך, תרשים, עלילה&#10;&#10;תוכן בינה מלאכותית גנרטיבית עשוי להיות שגוי.">
+          <p:cNvPr id="5" name="Picture 4" descr="A screenshot of a graph&#10;&#10;AI-generated content may be incorrect.">
             <a:extLst>
               <a:ext uri="{FF2B5EF4-FFF2-40B4-BE49-F238E27FC236}">
-                <a16:creationId xmlns:a16="http://schemas.microsoft.com/office/drawing/2014/main" id="{29761CBB-E626-2222-959B-0C5269908797}"/>
+                <a16:creationId xmlns:a16="http://schemas.microsoft.com/office/drawing/2014/main" id="{68CA6013-1D63-160E-4F6C-2B77D0D8356D}"/>
               </a:ext>
             </a:extLst>
           </p:cNvPr>
@@ -9305,8 +9305,8 @@
         </p:blipFill>
         <p:spPr>
           <a:xfrm>
-            <a:off x="1571504" y="607480"/>
-            <a:ext cx="8773499" cy="5853832"/>
+            <a:off x="0" y="2034757"/>
+            <a:ext cx="12192000" cy="4251526"/>
           </a:xfrm>
           <a:prstGeom prst="rect">
             <a:avLst/>
@@ -9400,10 +9400,10 @@
       </p:sp>
       <p:pic>
         <p:nvPicPr>
-          <p:cNvPr id="5" name="מציין מיקום תוכן 4" descr="תמונה שמכילה טקסט, תרשים, צילום מסך, עלילה&#10;&#10;תוכן בינה מלאכותית גנרטיבית עשוי להיות שגוי.">
+          <p:cNvPr id="4" name="Picture 3" descr="A screenshot of a graph&#10;&#10;AI-generated content may be incorrect.">
             <a:extLst>
               <a:ext uri="{FF2B5EF4-FFF2-40B4-BE49-F238E27FC236}">
-                <a16:creationId xmlns:a16="http://schemas.microsoft.com/office/drawing/2014/main" id="{287C18CF-5274-A1E3-2078-FB978CBBAD5E}"/>
+                <a16:creationId xmlns:a16="http://schemas.microsoft.com/office/drawing/2014/main" id="{3591F67F-D29D-0187-2352-99A4509883BC}"/>
               </a:ext>
             </a:extLst>
           </p:cNvPr>
@@ -9426,8 +9426,8 @@
         </p:blipFill>
         <p:spPr>
           <a:xfrm>
-            <a:off x="1506817" y="606198"/>
-            <a:ext cx="8920824" cy="5645604"/>
+            <a:off x="0" y="1929019"/>
+            <a:ext cx="12192000" cy="3975321"/>
           </a:xfrm>
           <a:prstGeom prst="rect">
             <a:avLst/>
@@ -9450,6 +9450,41 @@
 <file path=ppt/slides/slide12.xml><?xml version="1.0" encoding="utf-8"?>
 <p:sld xmlns:a="http://schemas.openxmlformats.org/drawingml/2006/main" xmlns:r="http://schemas.openxmlformats.org/officeDocument/2006/relationships" xmlns:p="http://schemas.openxmlformats.org/presentationml/2006/main">
   <p:cSld>
+    <p:bg>
+      <p:bgPr>
+        <a:gradFill rotWithShape="1">
+          <a:gsLst>
+            <a:gs pos="0">
+              <a:schemeClr val="bg2">
+                <a:tint val="96000"/>
+                <a:shade val="100000"/>
+                <a:hueMod val="270000"/>
+                <a:satMod val="200000"/>
+                <a:lumMod val="128000"/>
+              </a:schemeClr>
+            </a:gs>
+            <a:gs pos="50000">
+              <a:schemeClr val="bg2">
+                <a:shade val="100000"/>
+                <a:hueMod val="100000"/>
+                <a:satMod val="110000"/>
+                <a:lumMod val="130000"/>
+              </a:schemeClr>
+            </a:gs>
+            <a:gs pos="100000">
+              <a:schemeClr val="bg2">
+                <a:shade val="78000"/>
+                <a:hueMod val="44000"/>
+                <a:satMod val="200000"/>
+                <a:lumMod val="69000"/>
+              </a:schemeClr>
+            </a:gs>
+          </a:gsLst>
+          <a:lin ang="2520000" scaled="0"/>
+        </a:gradFill>
+        <a:effectLst/>
+      </p:bgPr>
+    </p:bg>
     <p:spTree>
       <p:nvGrpSpPr>
         <p:cNvPr id="1" name="">
@@ -9470,71 +9505,32 @@
           <a:chExt cx="0" cy="0"/>
         </a:xfrm>
       </p:grpSpPr>
-      <p:sp>
-        <p:nvSpPr>
-          <p:cNvPr id="3" name="תיבת טקסט 2">
+      <p:pic>
+        <p:nvPicPr>
+          <p:cNvPr id="12" name="Picture 11">
             <a:extLst>
               <a:ext uri="{FF2B5EF4-FFF2-40B4-BE49-F238E27FC236}">
-                <a16:creationId xmlns:a16="http://schemas.microsoft.com/office/drawing/2014/main" id="{F71F2BA3-350B-FD8C-2EE0-5EA3E67865EC}"/>
+                <a16:creationId xmlns:a16="http://schemas.microsoft.com/office/drawing/2014/main" id="{5321D838-2C7E-4177-9DD3-DAC78324A2B2}"/>
               </a:ext>
-            </a:extLst>
-          </p:cNvPr>
-          <p:cNvSpPr txBox="1"/>
-          <p:nvPr/>
-        </p:nvSpPr>
-        <p:spPr>
-          <a:xfrm>
-            <a:off x="10966174" y="779430"/>
-            <a:ext cx="6096000" cy="923330"/>
-          </a:xfrm>
-          <a:prstGeom prst="rect">
-            <a:avLst/>
-          </a:prstGeom>
-          <a:noFill/>
-        </p:spPr>
-        <p:txBody>
-          <a:bodyPr wrap="square">
-            <a:spAutoFit/>
-          </a:bodyPr>
-          <a:lstStyle/>
-          <a:p>
-            <a:r>
-              <a:rPr lang="en-US" dirty="0"/>
-              <a:t>OPM</a:t>
-            </a:r>
-            <a:br>
-              <a:rPr lang="en-US" dirty="0"/>
-            </a:br>
-            <a:r>
-              <a:rPr lang="en-US" dirty="0"/>
-              <a:t>&amp;</a:t>
-            </a:r>
-            <a:br>
-              <a:rPr lang="en-US" dirty="0"/>
-            </a:br>
-            <a:r>
-              <a:rPr lang="en-US" dirty="0"/>
-              <a:t>CTM </a:t>
-            </a:r>
-          </a:p>
-        </p:txBody>
-      </p:sp>
-      <p:pic>
-        <p:nvPicPr>
-          <p:cNvPr id="5" name="מציין מיקום תוכן 4" descr="תמונה שמכילה טקסט, צילום מסך, קו, עלילה&#10;&#10;תוכן בינה מלאכותית גנרטיבית עשוי להיות שגוי.">
-            <a:extLst>
-              <a:ext uri="{FF2B5EF4-FFF2-40B4-BE49-F238E27FC236}">
-                <a16:creationId xmlns:a16="http://schemas.microsoft.com/office/drawing/2014/main" id="{D46B517F-BCA1-5E95-81FB-1CCBECCF6E3F}"/>
+              <a:ext uri="{C183D7F6-B498-43B3-948B-1728B52AA6E4}">
+                <adec:decorative xmlns:adec="http://schemas.microsoft.com/office/drawing/2017/decorative" val="1"/>
               </a:ext>
             </a:extLst>
           </p:cNvPr>
           <p:cNvPicPr>
-            <a:picLocks noChangeAspect="1"/>
+            <a:picLocks noGrp="1" noRot="1" noChangeAspect="1" noMove="1" noResize="1" noEditPoints="1" noAdjustHandles="1" noChangeArrowheads="1" noChangeShapeType="1" noCrop="1"/>
           </p:cNvPicPr>
-          <p:nvPr/>
+          <p:nvPr>
+            <p:extLst>
+              <p:ext uri="{386F3935-93C4-4BCD-93E2-E3B085C9AB24}">
+                <p16:designElem xmlns:p16="http://schemas.microsoft.com/office/powerpoint/2015/main" val="1"/>
+              </p:ext>
+            </p:extLst>
+          </p:nvPr>
         </p:nvPicPr>
         <p:blipFill>
           <a:blip r:embed="rId3">
+            <a:alphaModFix amt="10000"/>
             <a:extLst>
               <a:ext uri="{28A0092B-C50C-407E-A947-70E740481C1C}">
                 <a14:useLocalDpi xmlns:a14="http://schemas.microsoft.com/office/drawing/2010/main" val="0"/>
@@ -9547,14 +9543,699 @@
         </p:blipFill>
         <p:spPr>
           <a:xfrm>
-            <a:off x="1373330" y="588004"/>
-            <a:ext cx="8693997" cy="5829300"/>
+            <a:off x="0" y="0"/>
+            <a:ext cx="12192000" cy="6858000"/>
           </a:xfrm>
           <a:prstGeom prst="rect">
             <a:avLst/>
           </a:prstGeom>
         </p:spPr>
       </p:pic>
+      <p:pic>
+        <p:nvPicPr>
+          <p:cNvPr id="14" name="Picture 13">
+            <a:extLst>
+              <a:ext uri="{FF2B5EF4-FFF2-40B4-BE49-F238E27FC236}">
+                <a16:creationId xmlns:a16="http://schemas.microsoft.com/office/drawing/2014/main" id="{0146E45C-1450-4186-B501-74F221F897A8}"/>
+              </a:ext>
+              <a:ext uri="{C183D7F6-B498-43B3-948B-1728B52AA6E4}">
+                <adec:decorative xmlns:adec="http://schemas.microsoft.com/office/drawing/2017/decorative" val="1"/>
+              </a:ext>
+            </a:extLst>
+          </p:cNvPr>
+          <p:cNvPicPr>
+            <a:picLocks noGrp="1" noRot="1" noChangeAspect="1" noMove="1" noResize="1" noEditPoints="1" noAdjustHandles="1" noChangeArrowheads="1" noChangeShapeType="1" noCrop="1"/>
+          </p:cNvPicPr>
+          <p:nvPr>
+            <p:extLst>
+              <p:ext uri="{386F3935-93C4-4BCD-93E2-E3B085C9AB24}">
+                <p16:designElem xmlns:p16="http://schemas.microsoft.com/office/powerpoint/2015/main" val="1"/>
+              </p:ext>
+            </p:extLst>
+          </p:nvPr>
+        </p:nvPicPr>
+        <p:blipFill>
+          <a:blip r:embed="rId4">
+            <a:extLst>
+              <a:ext uri="{28A0092B-C50C-407E-A947-70E740481C1C}">
+                <a14:useLocalDpi xmlns:a14="http://schemas.microsoft.com/office/drawing/2010/main" val="0"/>
+              </a:ext>
+            </a:extLst>
+          </a:blip>
+          <a:stretch>
+            <a:fillRect/>
+          </a:stretch>
+        </p:blipFill>
+        <p:spPr>
+          <a:xfrm>
+            <a:off x="1" y="4242851"/>
+            <a:ext cx="8968084" cy="275942"/>
+          </a:xfrm>
+          <a:prstGeom prst="rect">
+            <a:avLst/>
+          </a:prstGeom>
+        </p:spPr>
+      </p:pic>
+      <p:pic>
+        <p:nvPicPr>
+          <p:cNvPr id="16" name="Picture 15">
+            <a:extLst>
+              <a:ext uri="{FF2B5EF4-FFF2-40B4-BE49-F238E27FC236}">
+                <a16:creationId xmlns:a16="http://schemas.microsoft.com/office/drawing/2014/main" id="{EEDDA48B-BC04-4915-ADA3-A1A9522EB0D1}"/>
+              </a:ext>
+              <a:ext uri="{C183D7F6-B498-43B3-948B-1728B52AA6E4}">
+                <adec:decorative xmlns:adec="http://schemas.microsoft.com/office/drawing/2017/decorative" val="1"/>
+              </a:ext>
+            </a:extLst>
+          </p:cNvPr>
+          <p:cNvPicPr>
+            <a:picLocks noGrp="1" noRot="1" noChangeAspect="1" noMove="1" noResize="1" noEditPoints="1" noAdjustHandles="1" noChangeArrowheads="1" noChangeShapeType="1" noCrop="1"/>
+          </p:cNvPicPr>
+          <p:nvPr>
+            <p:extLst>
+              <p:ext uri="{386F3935-93C4-4BCD-93E2-E3B085C9AB24}">
+                <p16:designElem xmlns:p16="http://schemas.microsoft.com/office/powerpoint/2015/main" val="1"/>
+              </p:ext>
+            </p:extLst>
+          </p:nvPr>
+        </p:nvPicPr>
+        <p:blipFill>
+          <a:blip r:embed="rId5">
+            <a:extLst>
+              <a:ext uri="{28A0092B-C50C-407E-A947-70E740481C1C}">
+                <a14:useLocalDpi xmlns:a14="http://schemas.microsoft.com/office/drawing/2010/main" val="0"/>
+              </a:ext>
+            </a:extLst>
+          </a:blip>
+          <a:stretch>
+            <a:fillRect/>
+          </a:stretch>
+        </p:blipFill>
+        <p:spPr>
+          <a:xfrm>
+            <a:off x="9111716" y="4243845"/>
+            <a:ext cx="3077108" cy="276940"/>
+          </a:xfrm>
+          <a:prstGeom prst="rect">
+            <a:avLst/>
+          </a:prstGeom>
+        </p:spPr>
+      </p:pic>
+      <p:sp>
+        <p:nvSpPr>
+          <p:cNvPr id="18" name="Rectangle 17">
+            <a:extLst>
+              <a:ext uri="{FF2B5EF4-FFF2-40B4-BE49-F238E27FC236}">
+                <a16:creationId xmlns:a16="http://schemas.microsoft.com/office/drawing/2014/main" id="{78C9D07A-5A22-4E55-B18A-47CF07E5080D}"/>
+              </a:ext>
+              <a:ext uri="{C183D7F6-B498-43B3-948B-1728B52AA6E4}">
+                <adec:decorative xmlns:adec="http://schemas.microsoft.com/office/drawing/2017/decorative" val="1"/>
+              </a:ext>
+            </a:extLst>
+          </p:cNvPr>
+          <p:cNvSpPr>
+            <a:spLocks noGrp="1" noRot="1" noChangeAspect="1" noMove="1" noResize="1" noEditPoints="1" noAdjustHandles="1" noChangeArrowheads="1" noChangeShapeType="1" noTextEdit="1"/>
+          </p:cNvSpPr>
+          <p:nvPr>
+            <p:extLst>
+              <p:ext uri="{386F3935-93C4-4BCD-93E2-E3B085C9AB24}">
+                <p16:designElem xmlns:p16="http://schemas.microsoft.com/office/powerpoint/2015/main" val="1"/>
+              </p:ext>
+            </p:extLst>
+          </p:nvPr>
+        </p:nvSpPr>
+        <p:spPr>
+          <a:xfrm>
+            <a:off x="0" y="2590078"/>
+            <a:ext cx="8968085" cy="1660332"/>
+          </a:xfrm>
+          <a:prstGeom prst="rect">
+            <a:avLst/>
+          </a:prstGeom>
+          <a:solidFill>
+            <a:schemeClr val="bg1">
+              <a:lumMod val="85000"/>
+              <a:lumOff val="15000"/>
+            </a:schemeClr>
+          </a:solidFill>
+          <a:ln>
+            <a:noFill/>
+          </a:ln>
+        </p:spPr>
+        <p:style>
+          <a:lnRef idx="2">
+            <a:schemeClr val="accent1">
+              <a:shade val="50000"/>
+            </a:schemeClr>
+          </a:lnRef>
+          <a:fillRef idx="1">
+            <a:schemeClr val="accent1"/>
+          </a:fillRef>
+          <a:effectRef idx="0">
+            <a:schemeClr val="accent1"/>
+          </a:effectRef>
+          <a:fontRef idx="minor">
+            <a:schemeClr val="lt1"/>
+          </a:fontRef>
+        </p:style>
+        <p:txBody>
+          <a:bodyPr/>
+          <a:lstStyle/>
+          <a:p>
+            <a:endParaRPr lang="he-IL"/>
+          </a:p>
+        </p:txBody>
+      </p:sp>
+      <p:sp>
+        <p:nvSpPr>
+          <p:cNvPr id="20" name="Rectangle 19">
+            <a:extLst>
+              <a:ext uri="{FF2B5EF4-FFF2-40B4-BE49-F238E27FC236}">
+                <a16:creationId xmlns:a16="http://schemas.microsoft.com/office/drawing/2014/main" id="{3D71E629-0739-4A59-972B-A9E9A4500E31}"/>
+              </a:ext>
+              <a:ext uri="{C183D7F6-B498-43B3-948B-1728B52AA6E4}">
+                <adec:decorative xmlns:adec="http://schemas.microsoft.com/office/drawing/2017/decorative" val="1"/>
+              </a:ext>
+            </a:extLst>
+          </p:cNvPr>
+          <p:cNvSpPr>
+            <a:spLocks noGrp="1" noRot="1" noChangeAspect="1" noMove="1" noResize="1" noEditPoints="1" noAdjustHandles="1" noChangeArrowheads="1" noChangeShapeType="1" noTextEdit="1"/>
+          </p:cNvSpPr>
+          <p:nvPr>
+            <p:extLst>
+              <p:ext uri="{386F3935-93C4-4BCD-93E2-E3B085C9AB24}">
+                <p16:designElem xmlns:p16="http://schemas.microsoft.com/office/powerpoint/2015/main" val="1"/>
+              </p:ext>
+            </p:extLst>
+          </p:nvPr>
+        </p:nvSpPr>
+        <p:spPr>
+          <a:xfrm>
+            <a:off x="9111715" y="2590078"/>
+            <a:ext cx="3077109" cy="1660332"/>
+          </a:xfrm>
+          <a:prstGeom prst="rect">
+            <a:avLst/>
+          </a:prstGeom>
+          <a:solidFill>
+            <a:schemeClr val="accent1"/>
+          </a:solidFill>
+          <a:ln>
+            <a:noFill/>
+          </a:ln>
+        </p:spPr>
+        <p:style>
+          <a:lnRef idx="2">
+            <a:schemeClr val="accent1">
+              <a:shade val="50000"/>
+            </a:schemeClr>
+          </a:lnRef>
+          <a:fillRef idx="1">
+            <a:schemeClr val="accent1"/>
+          </a:fillRef>
+          <a:effectRef idx="0">
+            <a:schemeClr val="accent1"/>
+          </a:effectRef>
+          <a:fontRef idx="minor">
+            <a:schemeClr val="lt1"/>
+          </a:fontRef>
+        </p:style>
+        <p:txBody>
+          <a:bodyPr/>
+          <a:lstStyle/>
+          <a:p>
+            <a:endParaRPr lang="he-IL"/>
+          </a:p>
+        </p:txBody>
+      </p:sp>
+      <p:sp useBgFill="1">
+        <p:nvSpPr>
+          <p:cNvPr id="22" name="Rectangle 21">
+            <a:extLst>
+              <a:ext uri="{FF2B5EF4-FFF2-40B4-BE49-F238E27FC236}">
+                <a16:creationId xmlns:a16="http://schemas.microsoft.com/office/drawing/2014/main" id="{91B25DDC-AC4A-4478-9284-72FAEFF9AAA4}"/>
+              </a:ext>
+              <a:ext uri="{C183D7F6-B498-43B3-948B-1728B52AA6E4}">
+                <adec:decorative xmlns:adec="http://schemas.microsoft.com/office/drawing/2017/decorative" val="1"/>
+              </a:ext>
+            </a:extLst>
+          </p:cNvPr>
+          <p:cNvSpPr>
+            <a:spLocks noGrp="1" noRot="1" noChangeAspect="1" noMove="1" noResize="1" noEditPoints="1" noAdjustHandles="1" noChangeArrowheads="1" noChangeShapeType="1" noTextEdit="1"/>
+          </p:cNvSpPr>
+          <p:nvPr>
+            <p:extLst>
+              <p:ext uri="{386F3935-93C4-4BCD-93E2-E3B085C9AB24}">
+                <p16:designElem xmlns:p16="http://schemas.microsoft.com/office/powerpoint/2015/main" val="1"/>
+              </p:ext>
+            </p:extLst>
+          </p:nvPr>
+        </p:nvSpPr>
+        <p:spPr>
+          <a:xfrm>
+            <a:off x="0" y="-1"/>
+            <a:ext cx="12188824" cy="6858001"/>
+          </a:xfrm>
+          <a:prstGeom prst="rect">
+            <a:avLst/>
+          </a:prstGeom>
+          <a:ln>
+            <a:noFill/>
+          </a:ln>
+        </p:spPr>
+        <p:style>
+          <a:lnRef idx="2">
+            <a:schemeClr val="accent1">
+              <a:shade val="50000"/>
+            </a:schemeClr>
+          </a:lnRef>
+          <a:fillRef idx="1">
+            <a:schemeClr val="accent1"/>
+          </a:fillRef>
+          <a:effectRef idx="0">
+            <a:schemeClr val="accent1"/>
+          </a:effectRef>
+          <a:fontRef idx="minor">
+            <a:schemeClr val="lt1"/>
+          </a:fontRef>
+        </p:style>
+        <p:txBody>
+          <a:bodyPr rtlCol="0" anchor="ctr"/>
+          <a:lstStyle/>
+          <a:p>
+            <a:pPr algn="ctr"/>
+            <a:endParaRPr lang="en-US"/>
+          </a:p>
+        </p:txBody>
+      </p:sp>
+      <p:pic>
+        <p:nvPicPr>
+          <p:cNvPr id="24" name="Picture 23">
+            <a:extLst>
+              <a:ext uri="{FF2B5EF4-FFF2-40B4-BE49-F238E27FC236}">
+                <a16:creationId xmlns:a16="http://schemas.microsoft.com/office/drawing/2014/main" id="{F2A4120A-6920-4A6A-A9F2-D985926CFAF6}"/>
+              </a:ext>
+              <a:ext uri="{C183D7F6-B498-43B3-948B-1728B52AA6E4}">
+                <adec:decorative xmlns:adec="http://schemas.microsoft.com/office/drawing/2017/decorative" val="1"/>
+              </a:ext>
+            </a:extLst>
+          </p:cNvPr>
+          <p:cNvPicPr>
+            <a:picLocks noGrp="1" noRot="1" noChangeAspect="1" noMove="1" noResize="1" noEditPoints="1" noAdjustHandles="1" noChangeArrowheads="1" noChangeShapeType="1" noCrop="1"/>
+          </p:cNvPicPr>
+          <p:nvPr>
+            <p:extLst>
+              <p:ext uri="{386F3935-93C4-4BCD-93E2-E3B085C9AB24}">
+                <p16:designElem xmlns:p16="http://schemas.microsoft.com/office/powerpoint/2015/main" val="1"/>
+              </p:ext>
+            </p:extLst>
+          </p:nvPr>
+        </p:nvPicPr>
+        <p:blipFill>
+          <a:blip r:embed="rId3">
+            <a:alphaModFix amt="10000"/>
+            <a:extLst>
+              <a:ext uri="{28A0092B-C50C-407E-A947-70E740481C1C}">
+                <a14:useLocalDpi xmlns:a14="http://schemas.microsoft.com/office/drawing/2010/main" val="0"/>
+              </a:ext>
+            </a:extLst>
+          </a:blip>
+          <a:stretch>
+            <a:fillRect/>
+          </a:stretch>
+        </p:blipFill>
+        <p:spPr>
+          <a:xfrm>
+            <a:off x="0" y="0"/>
+            <a:ext cx="12192000" cy="6858000"/>
+          </a:xfrm>
+          <a:prstGeom prst="rect">
+            <a:avLst/>
+          </a:prstGeom>
+        </p:spPr>
+      </p:pic>
+      <p:sp>
+        <p:nvSpPr>
+          <p:cNvPr id="26" name="Rectangle 25">
+            <a:extLst>
+              <a:ext uri="{FF2B5EF4-FFF2-40B4-BE49-F238E27FC236}">
+                <a16:creationId xmlns:a16="http://schemas.microsoft.com/office/drawing/2014/main" id="{EF7F7E2B-AC04-431C-9F91-E8CC80AC22E3}"/>
+              </a:ext>
+              <a:ext uri="{C183D7F6-B498-43B3-948B-1728B52AA6E4}">
+                <adec:decorative xmlns:adec="http://schemas.microsoft.com/office/drawing/2017/decorative" val="1"/>
+              </a:ext>
+            </a:extLst>
+          </p:cNvPr>
+          <p:cNvSpPr>
+            <a:spLocks noGrp="1" noRot="1" noChangeAspect="1" noMove="1" noResize="1" noEditPoints="1" noAdjustHandles="1" noChangeArrowheads="1" noChangeShapeType="1" noTextEdit="1"/>
+          </p:cNvSpPr>
+          <p:nvPr>
+            <p:extLst>
+              <p:ext uri="{386F3935-93C4-4BCD-93E2-E3B085C9AB24}">
+                <p16:designElem xmlns:p16="http://schemas.microsoft.com/office/powerpoint/2015/main" val="1"/>
+              </p:ext>
+            </p:extLst>
+          </p:nvPr>
+        </p:nvSpPr>
+        <p:spPr bwMode="grayWhite">
+          <a:xfrm>
+            <a:off x="0" y="3923159"/>
+            <a:ext cx="8968085" cy="1660332"/>
+          </a:xfrm>
+          <a:prstGeom prst="rect">
+            <a:avLst/>
+          </a:prstGeom>
+          <a:solidFill>
+            <a:schemeClr val="bg1">
+              <a:lumMod val="95000"/>
+              <a:lumOff val="5000"/>
+              <a:alpha val="90000"/>
+            </a:schemeClr>
+          </a:solidFill>
+          <a:ln>
+            <a:noFill/>
+          </a:ln>
+        </p:spPr>
+        <p:style>
+          <a:lnRef idx="2">
+            <a:schemeClr val="accent1">
+              <a:shade val="50000"/>
+            </a:schemeClr>
+          </a:lnRef>
+          <a:fillRef idx="1">
+            <a:schemeClr val="accent1"/>
+          </a:fillRef>
+          <a:effectRef idx="0">
+            <a:schemeClr val="accent1"/>
+          </a:effectRef>
+          <a:fontRef idx="minor">
+            <a:schemeClr val="lt1"/>
+          </a:fontRef>
+        </p:style>
+        <p:txBody>
+          <a:bodyPr/>
+          <a:lstStyle/>
+          <a:p>
+            <a:endParaRPr lang="he-IL"/>
+          </a:p>
+        </p:txBody>
+      </p:sp>
+      <p:sp>
+        <p:nvSpPr>
+          <p:cNvPr id="3" name="תיבת טקסט 2">
+            <a:extLst>
+              <a:ext uri="{FF2B5EF4-FFF2-40B4-BE49-F238E27FC236}">
+                <a16:creationId xmlns:a16="http://schemas.microsoft.com/office/drawing/2014/main" id="{F71F2BA3-350B-FD8C-2EE0-5EA3E67865EC}"/>
+              </a:ext>
+            </a:extLst>
+          </p:cNvPr>
+          <p:cNvSpPr txBox="1"/>
+          <p:nvPr/>
+        </p:nvSpPr>
+        <p:spPr>
+          <a:xfrm>
+            <a:off x="680322" y="4076285"/>
+            <a:ext cx="8133478" cy="940240"/>
+          </a:xfrm>
+          <a:prstGeom prst="rect">
+            <a:avLst/>
+          </a:prstGeom>
+        </p:spPr>
+        <p:txBody>
+          <a:bodyPr>
+            <a:normAutofit/>
+          </a:bodyPr>
+          <a:lstStyle/>
+          <a:p>
+            <a:pPr>
+              <a:lnSpc>
+                <a:spcPct val="90000"/>
+              </a:lnSpc>
+              <a:spcAft>
+                <a:spcPts val="600"/>
+              </a:spcAft>
+            </a:pPr>
+            <a:r>
+              <a:rPr lang="en-US" sz="1900"/>
+              <a:t>OPM</a:t>
+            </a:r>
+            <a:br>
+              <a:rPr lang="en-US" sz="1900"/>
+            </a:br>
+            <a:r>
+              <a:rPr lang="en-US" sz="1900"/>
+              <a:t>&amp;</a:t>
+            </a:r>
+            <a:br>
+              <a:rPr lang="en-US" sz="1900"/>
+            </a:br>
+            <a:r>
+              <a:rPr lang="en-US" sz="1900"/>
+              <a:t>CTM </a:t>
+            </a:r>
+          </a:p>
+        </p:txBody>
+      </p:sp>
+      <p:pic>
+        <p:nvPicPr>
+          <p:cNvPr id="7" name="Picture 6" descr="A graph of a graph&#10;&#10;AI-generated content may be incorrect.">
+            <a:extLst>
+              <a:ext uri="{FF2B5EF4-FFF2-40B4-BE49-F238E27FC236}">
+                <a16:creationId xmlns:a16="http://schemas.microsoft.com/office/drawing/2014/main" id="{B925E387-D07A-2F13-B554-56EE3C2A7884}"/>
+              </a:ext>
+            </a:extLst>
+          </p:cNvPr>
+          <p:cNvPicPr>
+            <a:picLocks noChangeAspect="1"/>
+          </p:cNvPicPr>
+          <p:nvPr/>
+        </p:nvPicPr>
+        <p:blipFill>
+          <a:blip r:embed="rId6">
+            <a:extLst>
+              <a:ext uri="{28A0092B-C50C-407E-A947-70E740481C1C}">
+                <a14:useLocalDpi xmlns:a14="http://schemas.microsoft.com/office/drawing/2010/main" val="0"/>
+              </a:ext>
+            </a:extLst>
+          </a:blip>
+          <a:stretch>
+            <a:fillRect/>
+          </a:stretch>
+        </p:blipFill>
+        <p:spPr>
+          <a:xfrm>
+            <a:off x="2483178" y="932016"/>
+            <a:ext cx="7212980" cy="2506511"/>
+          </a:xfrm>
+          <a:prstGeom prst="rect">
+            <a:avLst/>
+          </a:prstGeom>
+          <a:ln>
+            <a:noFill/>
+          </a:ln>
+          <a:effectLst>
+            <a:outerShdw blurRad="76200" dist="63500" dir="5040000" algn="tl" rotWithShape="0">
+              <a:srgbClr val="000000">
+                <a:alpha val="41000"/>
+              </a:srgbClr>
+            </a:outerShdw>
+          </a:effectLst>
+        </p:spPr>
+      </p:pic>
+      <p:sp>
+        <p:nvSpPr>
+          <p:cNvPr id="28" name="Rectangle 27">
+            <a:extLst>
+              <a:ext uri="{FF2B5EF4-FFF2-40B4-BE49-F238E27FC236}">
+                <a16:creationId xmlns:a16="http://schemas.microsoft.com/office/drawing/2014/main" id="{A70D537E-6C9C-42A3-9B15-BB0F3D36CFA3}"/>
+              </a:ext>
+              <a:ext uri="{C183D7F6-B498-43B3-948B-1728B52AA6E4}">
+                <adec:decorative xmlns:adec="http://schemas.microsoft.com/office/drawing/2017/decorative" val="1"/>
+              </a:ext>
+            </a:extLst>
+          </p:cNvPr>
+          <p:cNvSpPr>
+            <a:spLocks noGrp="1" noRot="1" noChangeAspect="1" noMove="1" noResize="1" noEditPoints="1" noAdjustHandles="1" noChangeArrowheads="1" noChangeShapeType="1" noTextEdit="1"/>
+          </p:cNvSpPr>
+          <p:nvPr>
+            <p:extLst>
+              <p:ext uri="{386F3935-93C4-4BCD-93E2-E3B085C9AB24}">
+                <p16:designElem xmlns:p16="http://schemas.microsoft.com/office/powerpoint/2015/main" val="1"/>
+              </p:ext>
+            </p:extLst>
+          </p:nvPr>
+        </p:nvSpPr>
+        <p:spPr>
+          <a:xfrm>
+            <a:off x="9111715" y="3923159"/>
+            <a:ext cx="3077109" cy="1660332"/>
+          </a:xfrm>
+          <a:prstGeom prst="rect">
+            <a:avLst/>
+          </a:prstGeom>
+          <a:solidFill>
+            <a:schemeClr val="accent1"/>
+          </a:solidFill>
+          <a:ln>
+            <a:noFill/>
+          </a:ln>
+        </p:spPr>
+        <p:style>
+          <a:lnRef idx="2">
+            <a:schemeClr val="accent1">
+              <a:shade val="50000"/>
+            </a:schemeClr>
+          </a:lnRef>
+          <a:fillRef idx="1">
+            <a:schemeClr val="accent1"/>
+          </a:fillRef>
+          <a:effectRef idx="0">
+            <a:schemeClr val="accent1"/>
+          </a:effectRef>
+          <a:fontRef idx="minor">
+            <a:schemeClr val="lt1"/>
+          </a:fontRef>
+        </p:style>
+        <p:txBody>
+          <a:bodyPr/>
+          <a:lstStyle/>
+          <a:p>
+            <a:endParaRPr lang="he-IL"/>
+          </a:p>
+        </p:txBody>
+      </p:sp>
+      <p:sp>
+        <p:nvSpPr>
+          <p:cNvPr id="30" name="Rectangle 29">
+            <a:extLst>
+              <a:ext uri="{FF2B5EF4-FFF2-40B4-BE49-F238E27FC236}">
+                <a16:creationId xmlns:a16="http://schemas.microsoft.com/office/drawing/2014/main" id="{BBA9CF82-B5D9-49C7-8190-015DC6E0073D}"/>
+              </a:ext>
+              <a:ext uri="{C183D7F6-B498-43B3-948B-1728B52AA6E4}">
+                <adec:decorative xmlns:adec="http://schemas.microsoft.com/office/drawing/2017/decorative" val="1"/>
+              </a:ext>
+            </a:extLst>
+          </p:cNvPr>
+          <p:cNvSpPr>
+            <a:spLocks noGrp="1" noRot="1" noChangeAspect="1" noMove="1" noResize="1" noEditPoints="1" noAdjustHandles="1" noChangeArrowheads="1" noChangeShapeType="1" noTextEdit="1"/>
+          </p:cNvSpPr>
+          <p:nvPr>
+            <p:extLst>
+              <p:ext uri="{386F3935-93C4-4BCD-93E2-E3B085C9AB24}">
+                <p16:designElem xmlns:p16="http://schemas.microsoft.com/office/powerpoint/2015/main" val="1"/>
+              </p:ext>
+            </p:extLst>
+          </p:nvPr>
+        </p:nvSpPr>
+        <p:spPr>
+          <a:xfrm>
+            <a:off x="0" y="5575932"/>
+            <a:ext cx="8968085" cy="275942"/>
+          </a:xfrm>
+          <a:prstGeom prst="rect">
+            <a:avLst/>
+          </a:prstGeom>
+          <a:blipFill>
+            <a:blip r:embed="rId7"/>
+            <a:stretch>
+              <a:fillRect/>
+            </a:stretch>
+          </a:blipFill>
+          <a:ln>
+            <a:noFill/>
+          </a:ln>
+        </p:spPr>
+        <p:style>
+          <a:lnRef idx="2">
+            <a:schemeClr val="accent1">
+              <a:shade val="50000"/>
+            </a:schemeClr>
+          </a:lnRef>
+          <a:fillRef idx="1">
+            <a:schemeClr val="accent1"/>
+          </a:fillRef>
+          <a:effectRef idx="0">
+            <a:schemeClr val="accent1"/>
+          </a:effectRef>
+          <a:fontRef idx="minor">
+            <a:schemeClr val="lt1"/>
+          </a:fontRef>
+        </p:style>
+        <p:txBody>
+          <a:bodyPr rtlCol="0" anchor="ctr"/>
+          <a:lstStyle/>
+          <a:p>
+            <a:pPr algn="ctr"/>
+            <a:endParaRPr lang="en-US"/>
+          </a:p>
+        </p:txBody>
+      </p:sp>
+      <p:sp>
+        <p:nvSpPr>
+          <p:cNvPr id="32" name="Rectangle 31">
+            <a:extLst>
+              <a:ext uri="{FF2B5EF4-FFF2-40B4-BE49-F238E27FC236}">
+                <a16:creationId xmlns:a16="http://schemas.microsoft.com/office/drawing/2014/main" id="{402CF6BB-0147-4AA0-8473-07BB71B78E93}"/>
+              </a:ext>
+              <a:ext uri="{C183D7F6-B498-43B3-948B-1728B52AA6E4}">
+                <adec:decorative xmlns:adec="http://schemas.microsoft.com/office/drawing/2017/decorative" val="1"/>
+              </a:ext>
+            </a:extLst>
+          </p:cNvPr>
+          <p:cNvSpPr>
+            <a:spLocks noGrp="1" noRot="1" noChangeAspect="1" noMove="1" noResize="1" noEditPoints="1" noAdjustHandles="1" noChangeArrowheads="1" noChangeShapeType="1" noTextEdit="1"/>
+          </p:cNvSpPr>
+          <p:nvPr>
+            <p:extLst>
+              <p:ext uri="{386F3935-93C4-4BCD-93E2-E3B085C9AB24}">
+                <p16:designElem xmlns:p16="http://schemas.microsoft.com/office/powerpoint/2015/main" val="1"/>
+              </p:ext>
+            </p:extLst>
+          </p:nvPr>
+        </p:nvSpPr>
+        <p:spPr>
+          <a:xfrm>
+            <a:off x="9111715" y="5575932"/>
+            <a:ext cx="3080285" cy="275942"/>
+          </a:xfrm>
+          <a:prstGeom prst="rect">
+            <a:avLst/>
+          </a:prstGeom>
+          <a:blipFill>
+            <a:blip r:embed="rId8"/>
+            <a:stretch>
+              <a:fillRect/>
+            </a:stretch>
+          </a:blipFill>
+          <a:ln>
+            <a:noFill/>
+          </a:ln>
+        </p:spPr>
+        <p:style>
+          <a:lnRef idx="2">
+            <a:schemeClr val="accent1">
+              <a:shade val="50000"/>
+            </a:schemeClr>
+          </a:lnRef>
+          <a:fillRef idx="1">
+            <a:schemeClr val="accent1"/>
+          </a:fillRef>
+          <a:effectRef idx="0">
+            <a:schemeClr val="accent1"/>
+          </a:effectRef>
+          <a:fontRef idx="minor">
+            <a:schemeClr val="lt1"/>
+          </a:fontRef>
+        </p:style>
+        <p:txBody>
+          <a:bodyPr rtlCol="0" anchor="ctr"/>
+          <a:lstStyle/>
+          <a:p>
+            <a:pPr algn="ctr"/>
+            <a:endParaRPr lang="en-US"/>
+          </a:p>
+        </p:txBody>
+      </p:sp>
     </p:spTree>
     <p:extLst>
       <p:ext uri="{BB962C8B-B14F-4D97-AF65-F5344CB8AC3E}">
@@ -9612,7 +10293,7 @@
             </a:r>
             <a:r>
               <a:rPr lang="he-IL" dirty="0"/>
-              <a:t>גרף שך כל המוטיפים מאורכים שונים</a:t>
+              <a:t>גרף של כל המוטיפים מאורכים שונים</a:t>
             </a:r>
             <a:br>
               <a:rPr lang="he-IL" dirty="0"/>
@@ -10203,8 +10884,8 @@
               <a:t>להרחיב את הגרף</a:t>
             </a:r>
             <a:r>
-              <a:rPr lang="en-US" dirty="0"/>
-              <a:t> yoni</a:t>
+              <a:rPr lang="en-US"/>
+              <a:t> yoni V</a:t>
             </a:r>
             <a:endParaRPr lang="he-IL" dirty="0"/>
           </a:p>
@@ -10973,12 +11654,80 @@
           </a:p>
         </p:txBody>
       </p:sp>
+      <p:sp>
+        <p:nvSpPr>
+          <p:cNvPr id="7" name="תיבת טקסט 6">
+            <a:extLst>
+              <a:ext uri="{FF2B5EF4-FFF2-40B4-BE49-F238E27FC236}">
+                <a16:creationId xmlns:a16="http://schemas.microsoft.com/office/drawing/2014/main" id="{AA6C1A4E-42E9-B1E5-8C57-1FB293A666A4}"/>
+              </a:ext>
+            </a:extLst>
+          </p:cNvPr>
+          <p:cNvSpPr txBox="1"/>
+          <p:nvPr/>
+        </p:nvSpPr>
+        <p:spPr>
+          <a:xfrm>
+            <a:off x="0" y="2274838"/>
+            <a:ext cx="6096000" cy="1200329"/>
+          </a:xfrm>
+          <a:prstGeom prst="rect">
+            <a:avLst/>
+          </a:prstGeom>
+          <a:noFill/>
+        </p:spPr>
+        <p:txBody>
+          <a:bodyPr wrap="square">
+            <a:spAutoFit/>
+          </a:bodyPr>
+          <a:lstStyle/>
+          <a:p>
+            <a:pPr algn="l" rtl="0"/>
+            <a:r>
+              <a:rPr lang="en-US" dirty="0"/>
+              <a:t>In our algorithm:</a:t>
+            </a:r>
+          </a:p>
+          <a:p>
+            <a:pPr marL="285750" indent="-285750">
+              <a:buFont typeface="Arial" panose="020B0604020202020204" pitchFamily="34" charset="0"/>
+              <a:buChar char="•"/>
+            </a:pPr>
+            <a:r>
+              <a:rPr lang="en-US" dirty="0"/>
+              <a:t> </a:t>
+            </a:r>
+            <a:r>
+              <a:rPr lang="en-US" b="1" dirty="0"/>
+              <a:t>L</a:t>
+            </a:r>
+            <a:r>
+              <a:rPr lang="en-US" dirty="0"/>
+              <a:t> = length of the motif.</a:t>
+            </a:r>
+          </a:p>
+          <a:p>
+            <a:pPr marL="285750" indent="-285750">
+              <a:buFont typeface="Arial" panose="020B0604020202020204" pitchFamily="34" charset="0"/>
+              <a:buChar char="•"/>
+            </a:pPr>
+            <a:r>
+              <a:rPr lang="en-US" dirty="0"/>
+              <a:t> Data points = monthly values </a:t>
+            </a:r>
+            <a:br>
+              <a:rPr lang="en-US" dirty="0"/>
+            </a:br>
+            <a:endParaRPr lang="en-US" dirty="0"/>
+          </a:p>
+        </p:txBody>
+      </p:sp>
       <p:pic>
         <p:nvPicPr>
-          <p:cNvPr id="5" name="מציין מיקום תוכן 4" descr="תמונה שמכילה טקסט, צילום מסך, עלילה, קו&#10;&#10;תוכן בינה מלאכותית גנרטיבית עשוי להיות שגוי.">
+          <p:cNvPr id="8" name="Content Placeholder 7" descr="A screenshot of a graph&#10;&#10;AI-generated content may be incorrect.">
             <a:extLst>
               <a:ext uri="{FF2B5EF4-FFF2-40B4-BE49-F238E27FC236}">
-                <a16:creationId xmlns:a16="http://schemas.microsoft.com/office/drawing/2014/main" id="{3AE84080-F469-8313-5BA5-30C7C0C91E4B}"/>
+                <a16:creationId xmlns:a16="http://schemas.microsoft.com/office/drawing/2014/main" id="{0A9BF5A8-F649-BAF6-630C-8898075C90D7}"/>
               </a:ext>
             </a:extLst>
           </p:cNvPr>
@@ -11003,17 +11752,17 @@
         </p:blipFill>
         <p:spPr>
           <a:xfrm>
-            <a:off x="4385324" y="1975360"/>
-            <a:ext cx="6742368" cy="4563422"/>
+            <a:off x="935038" y="3186239"/>
+            <a:ext cx="10434002" cy="3638486"/>
           </a:xfrm>
         </p:spPr>
       </p:pic>
       <p:sp>
         <p:nvSpPr>
-          <p:cNvPr id="7" name="תיבת טקסט 6">
+          <p:cNvPr id="10" name="TextBox 9">
             <a:extLst>
               <a:ext uri="{FF2B5EF4-FFF2-40B4-BE49-F238E27FC236}">
-                <a16:creationId xmlns:a16="http://schemas.microsoft.com/office/drawing/2014/main" id="{AA6C1A4E-42E9-B1E5-8C57-1FB293A666A4}"/>
+                <a16:creationId xmlns:a16="http://schemas.microsoft.com/office/drawing/2014/main" id="{DFB748FE-83C2-63DA-2FC9-277DBDA9EAD2}"/>
               </a:ext>
             </a:extLst>
           </p:cNvPr>
@@ -11022,8 +11771,8 @@
         </p:nvSpPr>
         <p:spPr>
           <a:xfrm>
-            <a:off x="0" y="2351805"/>
-            <a:ext cx="6096000" cy="2308324"/>
+            <a:off x="4564380" y="1985910"/>
+            <a:ext cx="6162040" cy="1200329"/>
           </a:xfrm>
           <a:prstGeom prst="rect">
             <a:avLst/>
@@ -11035,45 +11784,6 @@
             <a:spAutoFit/>
           </a:bodyPr>
           <a:lstStyle/>
-          <a:p>
-            <a:pPr algn="l" rtl="0"/>
-            <a:r>
-              <a:rPr lang="en-US" dirty="0"/>
-              <a:t>In our algorithm:</a:t>
-            </a:r>
-          </a:p>
-          <a:p>
-            <a:pPr marL="285750" indent="-285750">
-              <a:buFont typeface="Arial" panose="020B0604020202020204" pitchFamily="34" charset="0"/>
-              <a:buChar char="•"/>
-            </a:pPr>
-            <a:r>
-              <a:rPr lang="en-US" dirty="0"/>
-              <a:t> </a:t>
-            </a:r>
-            <a:r>
-              <a:rPr lang="en-US" b="1" dirty="0"/>
-              <a:t>L</a:t>
-            </a:r>
-            <a:r>
-              <a:rPr lang="en-US" dirty="0"/>
-              <a:t> = length of the motif.</a:t>
-            </a:r>
-          </a:p>
-          <a:p>
-            <a:pPr marL="285750" indent="-285750">
-              <a:buFont typeface="Arial" panose="020B0604020202020204" pitchFamily="34" charset="0"/>
-              <a:buChar char="•"/>
-            </a:pPr>
-            <a:r>
-              <a:rPr lang="en-US" dirty="0"/>
-              <a:t> Data points = monthly values </a:t>
-            </a:r>
-            <a:br>
-              <a:rPr lang="en-US" dirty="0"/>
-            </a:br>
-            <a:endParaRPr lang="en-US" dirty="0"/>
-          </a:p>
           <a:p>
             <a:pPr algn="l" rtl="0"/>
             <a:r>
